--- a/Part2/OOA_OOD.pptx
+++ b/Part2/OOA_OOD.pptx
@@ -5,13 +5,14 @@
     <p:sldMasterId id="2147483648" r:id="rId1"/>
   </p:sldMasterIdLst>
   <p:sldIdLst>
-    <p:sldId id="256" r:id="rId2"/>
-    <p:sldId id="257" r:id="rId3"/>
-    <p:sldId id="258" r:id="rId4"/>
-    <p:sldId id="259" r:id="rId5"/>
-    <p:sldId id="260" r:id="rId6"/>
-    <p:sldId id="261" r:id="rId7"/>
-    <p:sldId id="262" r:id="rId8"/>
+    <p:sldId id="256" r:id="rId3"/>
+    <p:sldId id="257" r:id="rId4"/>
+    <p:sldId id="263" r:id="rId5"/>
+    <p:sldId id="258" r:id="rId6"/>
+    <p:sldId id="259" r:id="rId7"/>
+    <p:sldId id="260" r:id="rId8"/>
+    <p:sldId id="261" r:id="rId9"/>
+    <p:sldId id="262" r:id="rId10"/>
   </p:sldIdLst>
   <p:sldSz cx="12192000" cy="6858000"/>
   <p:notesSz cx="6858000" cy="9144000"/>
@@ -110,11 +111,6 @@
       </a:defRPr>
     </a:lvl9pPr>
   </p:defaultTextStyle>
-  <p:extLst>
-    <p:ext uri="{EFAFB233-063F-42B5-8137-9DF3F51BA10A}">
-      <p15:sldGuideLst xmlns:p15="http://schemas.microsoft.com/office/powerpoint/2012/main"/>
-    </p:ext>
-  </p:extLst>
 </p:presentation>
 </file>
 
@@ -169,6 +165,7 @@
               <a:rPr lang="en-US"/>
               <a:t>Click to edit Master title style</a:t>
             </a:r>
+            <a:endParaRPr lang="en-US"/>
           </a:p>
         </p:txBody>
       </p:sp>
@@ -233,6 +230,7 @@
               <a:rPr lang="en-US"/>
               <a:t>Click to edit Master subtitle style</a:t>
             </a:r>
+            <a:endParaRPr lang="en-US"/>
           </a:p>
         </p:txBody>
       </p:sp>
@@ -253,7 +251,6 @@
           <a:p>
             <a:fld id="{63A1C593-65D0-4073-BCC9-577B9352EA97}" type="datetimeFigureOut">
               <a:rPr lang="en-US" smtClean="0"/>
-              <a:t>11/15/2023</a:t>
             </a:fld>
             <a:endParaRPr lang="en-US"/>
           </a:p>
@@ -295,7 +292,6 @@
           <a:p>
             <a:fld id="{9B618960-8005-486C-9A75-10CB2AAC16F9}" type="slidenum">
               <a:rPr lang="en-US" smtClean="0"/>
-              <a:t>‹#›</a:t>
             </a:fld>
             <a:endParaRPr lang="en-US"/>
           </a:p>
@@ -345,6 +341,7 @@
               <a:rPr lang="en-US"/>
               <a:t>Click to edit Master title style</a:t>
             </a:r>
+            <a:endParaRPr lang="en-US"/>
           </a:p>
         </p:txBody>
       </p:sp>
@@ -368,6 +365,7 @@
               <a:rPr lang="en-US"/>
               <a:t>Click to edit Master text styles</a:t>
             </a:r>
+            <a:endParaRPr lang="en-US"/>
           </a:p>
           <a:p>
             <a:pPr lvl="1"/>
@@ -375,6 +373,7 @@
               <a:rPr lang="en-US"/>
               <a:t>Second level</a:t>
             </a:r>
+            <a:endParaRPr lang="en-US"/>
           </a:p>
           <a:p>
             <a:pPr lvl="2"/>
@@ -382,6 +381,7 @@
               <a:rPr lang="en-US"/>
               <a:t>Third level</a:t>
             </a:r>
+            <a:endParaRPr lang="en-US"/>
           </a:p>
           <a:p>
             <a:pPr lvl="3"/>
@@ -389,6 +389,7 @@
               <a:rPr lang="en-US"/>
               <a:t>Fourth level</a:t>
             </a:r>
+            <a:endParaRPr lang="en-US"/>
           </a:p>
           <a:p>
             <a:pPr lvl="4"/>
@@ -396,6 +397,7 @@
               <a:rPr lang="en-US"/>
               <a:t>Fifth level</a:t>
             </a:r>
+            <a:endParaRPr lang="en-US"/>
           </a:p>
         </p:txBody>
       </p:sp>
@@ -416,7 +418,6 @@
           <a:p>
             <a:fld id="{63A1C593-65D0-4073-BCC9-577B9352EA97}" type="datetimeFigureOut">
               <a:rPr lang="en-US" smtClean="0"/>
-              <a:t>11/15/2023</a:t>
             </a:fld>
             <a:endParaRPr lang="en-US"/>
           </a:p>
@@ -458,7 +459,6 @@
           <a:p>
             <a:fld id="{9B618960-8005-486C-9A75-10CB2AAC16F9}" type="slidenum">
               <a:rPr lang="en-US" smtClean="0"/>
-              <a:t>‹#›</a:t>
             </a:fld>
             <a:endParaRPr lang="en-US"/>
           </a:p>
@@ -513,6 +513,7 @@
               <a:rPr lang="en-US"/>
               <a:t>Click to edit Master title style</a:t>
             </a:r>
+            <a:endParaRPr lang="en-US"/>
           </a:p>
         </p:txBody>
       </p:sp>
@@ -541,6 +542,7 @@
               <a:rPr lang="en-US"/>
               <a:t>Click to edit Master text styles</a:t>
             </a:r>
+            <a:endParaRPr lang="en-US"/>
           </a:p>
           <a:p>
             <a:pPr lvl="1"/>
@@ -548,6 +550,7 @@
               <a:rPr lang="en-US"/>
               <a:t>Second level</a:t>
             </a:r>
+            <a:endParaRPr lang="en-US"/>
           </a:p>
           <a:p>
             <a:pPr lvl="2"/>
@@ -555,6 +558,7 @@
               <a:rPr lang="en-US"/>
               <a:t>Third level</a:t>
             </a:r>
+            <a:endParaRPr lang="en-US"/>
           </a:p>
           <a:p>
             <a:pPr lvl="3"/>
@@ -562,6 +566,7 @@
               <a:rPr lang="en-US"/>
               <a:t>Fourth level</a:t>
             </a:r>
+            <a:endParaRPr lang="en-US"/>
           </a:p>
           <a:p>
             <a:pPr lvl="4"/>
@@ -569,6 +574,7 @@
               <a:rPr lang="en-US"/>
               <a:t>Fifth level</a:t>
             </a:r>
+            <a:endParaRPr lang="en-US"/>
           </a:p>
         </p:txBody>
       </p:sp>
@@ -589,7 +595,6 @@
           <a:p>
             <a:fld id="{63A1C593-65D0-4073-BCC9-577B9352EA97}" type="datetimeFigureOut">
               <a:rPr lang="en-US" smtClean="0"/>
-              <a:t>11/15/2023</a:t>
             </a:fld>
             <a:endParaRPr lang="en-US"/>
           </a:p>
@@ -631,7 +636,6 @@
           <a:p>
             <a:fld id="{9B618960-8005-486C-9A75-10CB2AAC16F9}" type="slidenum">
               <a:rPr lang="en-US" smtClean="0"/>
-              <a:t>‹#›</a:t>
             </a:fld>
             <a:endParaRPr lang="en-US"/>
           </a:p>
@@ -681,6 +685,7 @@
               <a:rPr lang="en-US"/>
               <a:t>Click to edit Master title style</a:t>
             </a:r>
+            <a:endParaRPr lang="en-US"/>
           </a:p>
         </p:txBody>
       </p:sp>
@@ -704,6 +709,7 @@
               <a:rPr lang="en-US"/>
               <a:t>Click to edit Master text styles</a:t>
             </a:r>
+            <a:endParaRPr lang="en-US"/>
           </a:p>
           <a:p>
             <a:pPr lvl="1"/>
@@ -711,6 +717,7 @@
               <a:rPr lang="en-US"/>
               <a:t>Second level</a:t>
             </a:r>
+            <a:endParaRPr lang="en-US"/>
           </a:p>
           <a:p>
             <a:pPr lvl="2"/>
@@ -718,6 +725,7 @@
               <a:rPr lang="en-US"/>
               <a:t>Third level</a:t>
             </a:r>
+            <a:endParaRPr lang="en-US"/>
           </a:p>
           <a:p>
             <a:pPr lvl="3"/>
@@ -725,6 +733,7 @@
               <a:rPr lang="en-US"/>
               <a:t>Fourth level</a:t>
             </a:r>
+            <a:endParaRPr lang="en-US"/>
           </a:p>
           <a:p>
             <a:pPr lvl="4"/>
@@ -732,6 +741,7 @@
               <a:rPr lang="en-US"/>
               <a:t>Fifth level</a:t>
             </a:r>
+            <a:endParaRPr lang="en-US"/>
           </a:p>
         </p:txBody>
       </p:sp>
@@ -752,7 +762,6 @@
           <a:p>
             <a:fld id="{63A1C593-65D0-4073-BCC9-577B9352EA97}" type="datetimeFigureOut">
               <a:rPr lang="en-US" smtClean="0"/>
-              <a:t>11/15/2023</a:t>
             </a:fld>
             <a:endParaRPr lang="en-US"/>
           </a:p>
@@ -794,7 +803,6 @@
           <a:p>
             <a:fld id="{9B618960-8005-486C-9A75-10CB2AAC16F9}" type="slidenum">
               <a:rPr lang="en-US" smtClean="0"/>
-              <a:t>‹#›</a:t>
             </a:fld>
             <a:endParaRPr lang="en-US"/>
           </a:p>
@@ -853,6 +861,7 @@
               <a:rPr lang="en-US"/>
               <a:t>Click to edit Master title style</a:t>
             </a:r>
+            <a:endParaRPr lang="en-US"/>
           </a:p>
         </p:txBody>
       </p:sp>
@@ -972,6 +981,7 @@
               <a:rPr lang="en-US"/>
               <a:t>Click to edit Master text styles</a:t>
             </a:r>
+            <a:endParaRPr lang="en-US"/>
           </a:p>
         </p:txBody>
       </p:sp>
@@ -992,7 +1002,6 @@
           <a:p>
             <a:fld id="{63A1C593-65D0-4073-BCC9-577B9352EA97}" type="datetimeFigureOut">
               <a:rPr lang="en-US" smtClean="0"/>
-              <a:t>11/15/2023</a:t>
             </a:fld>
             <a:endParaRPr lang="en-US"/>
           </a:p>
@@ -1034,7 +1043,6 @@
           <a:p>
             <a:fld id="{9B618960-8005-486C-9A75-10CB2AAC16F9}" type="slidenum">
               <a:rPr lang="en-US" smtClean="0"/>
-              <a:t>‹#›</a:t>
             </a:fld>
             <a:endParaRPr lang="en-US"/>
           </a:p>
@@ -1084,6 +1092,7 @@
               <a:rPr lang="en-US"/>
               <a:t>Click to edit Master title style</a:t>
             </a:r>
+            <a:endParaRPr lang="en-US"/>
           </a:p>
         </p:txBody>
       </p:sp>
@@ -1112,6 +1121,7 @@
               <a:rPr lang="en-US"/>
               <a:t>Click to edit Master text styles</a:t>
             </a:r>
+            <a:endParaRPr lang="en-US"/>
           </a:p>
           <a:p>
             <a:pPr lvl="1"/>
@@ -1119,6 +1129,7 @@
               <a:rPr lang="en-US"/>
               <a:t>Second level</a:t>
             </a:r>
+            <a:endParaRPr lang="en-US"/>
           </a:p>
           <a:p>
             <a:pPr lvl="2"/>
@@ -1126,6 +1137,7 @@
               <a:rPr lang="en-US"/>
               <a:t>Third level</a:t>
             </a:r>
+            <a:endParaRPr lang="en-US"/>
           </a:p>
           <a:p>
             <a:pPr lvl="3"/>
@@ -1133,6 +1145,7 @@
               <a:rPr lang="en-US"/>
               <a:t>Fourth level</a:t>
             </a:r>
+            <a:endParaRPr lang="en-US"/>
           </a:p>
           <a:p>
             <a:pPr lvl="4"/>
@@ -1140,6 +1153,7 @@
               <a:rPr lang="en-US"/>
               <a:t>Fifth level</a:t>
             </a:r>
+            <a:endParaRPr lang="en-US"/>
           </a:p>
         </p:txBody>
       </p:sp>
@@ -1168,6 +1182,7 @@
               <a:rPr lang="en-US"/>
               <a:t>Click to edit Master text styles</a:t>
             </a:r>
+            <a:endParaRPr lang="en-US"/>
           </a:p>
           <a:p>
             <a:pPr lvl="1"/>
@@ -1175,6 +1190,7 @@
               <a:rPr lang="en-US"/>
               <a:t>Second level</a:t>
             </a:r>
+            <a:endParaRPr lang="en-US"/>
           </a:p>
           <a:p>
             <a:pPr lvl="2"/>
@@ -1182,6 +1198,7 @@
               <a:rPr lang="en-US"/>
               <a:t>Third level</a:t>
             </a:r>
+            <a:endParaRPr lang="en-US"/>
           </a:p>
           <a:p>
             <a:pPr lvl="3"/>
@@ -1189,6 +1206,7 @@
               <a:rPr lang="en-US"/>
               <a:t>Fourth level</a:t>
             </a:r>
+            <a:endParaRPr lang="en-US"/>
           </a:p>
           <a:p>
             <a:pPr lvl="4"/>
@@ -1196,6 +1214,7 @@
               <a:rPr lang="en-US"/>
               <a:t>Fifth level</a:t>
             </a:r>
+            <a:endParaRPr lang="en-US"/>
           </a:p>
         </p:txBody>
       </p:sp>
@@ -1216,7 +1235,6 @@
           <a:p>
             <a:fld id="{63A1C593-65D0-4073-BCC9-577B9352EA97}" type="datetimeFigureOut">
               <a:rPr lang="en-US" smtClean="0"/>
-              <a:t>11/15/2023</a:t>
             </a:fld>
             <a:endParaRPr lang="en-US"/>
           </a:p>
@@ -1258,7 +1276,6 @@
           <a:p>
             <a:fld id="{9B618960-8005-486C-9A75-10CB2AAC16F9}" type="slidenum">
               <a:rPr lang="en-US" smtClean="0"/>
-              <a:t>‹#›</a:t>
             </a:fld>
             <a:endParaRPr lang="en-US"/>
           </a:p>
@@ -1313,6 +1330,7 @@
               <a:rPr lang="en-US"/>
               <a:t>Click to edit Master title style</a:t>
             </a:r>
+            <a:endParaRPr lang="en-US"/>
           </a:p>
         </p:txBody>
       </p:sp>
@@ -1378,6 +1396,7 @@
               <a:rPr lang="en-US"/>
               <a:t>Click to edit Master text styles</a:t>
             </a:r>
+            <a:endParaRPr lang="en-US"/>
           </a:p>
         </p:txBody>
       </p:sp>
@@ -1406,6 +1425,7 @@
               <a:rPr lang="en-US"/>
               <a:t>Click to edit Master text styles</a:t>
             </a:r>
+            <a:endParaRPr lang="en-US"/>
           </a:p>
           <a:p>
             <a:pPr lvl="1"/>
@@ -1413,6 +1433,7 @@
               <a:rPr lang="en-US"/>
               <a:t>Second level</a:t>
             </a:r>
+            <a:endParaRPr lang="en-US"/>
           </a:p>
           <a:p>
             <a:pPr lvl="2"/>
@@ -1420,6 +1441,7 @@
               <a:rPr lang="en-US"/>
               <a:t>Third level</a:t>
             </a:r>
+            <a:endParaRPr lang="en-US"/>
           </a:p>
           <a:p>
             <a:pPr lvl="3"/>
@@ -1427,6 +1449,7 @@
               <a:rPr lang="en-US"/>
               <a:t>Fourth level</a:t>
             </a:r>
+            <a:endParaRPr lang="en-US"/>
           </a:p>
           <a:p>
             <a:pPr lvl="4"/>
@@ -1434,6 +1457,7 @@
               <a:rPr lang="en-US"/>
               <a:t>Fifth level</a:t>
             </a:r>
+            <a:endParaRPr lang="en-US"/>
           </a:p>
         </p:txBody>
       </p:sp>
@@ -1499,6 +1523,7 @@
               <a:rPr lang="en-US"/>
               <a:t>Click to edit Master text styles</a:t>
             </a:r>
+            <a:endParaRPr lang="en-US"/>
           </a:p>
         </p:txBody>
       </p:sp>
@@ -1527,6 +1552,7 @@
               <a:rPr lang="en-US"/>
               <a:t>Click to edit Master text styles</a:t>
             </a:r>
+            <a:endParaRPr lang="en-US"/>
           </a:p>
           <a:p>
             <a:pPr lvl="1"/>
@@ -1534,6 +1560,7 @@
               <a:rPr lang="en-US"/>
               <a:t>Second level</a:t>
             </a:r>
+            <a:endParaRPr lang="en-US"/>
           </a:p>
           <a:p>
             <a:pPr lvl="2"/>
@@ -1541,6 +1568,7 @@
               <a:rPr lang="en-US"/>
               <a:t>Third level</a:t>
             </a:r>
+            <a:endParaRPr lang="en-US"/>
           </a:p>
           <a:p>
             <a:pPr lvl="3"/>
@@ -1548,6 +1576,7 @@
               <a:rPr lang="en-US"/>
               <a:t>Fourth level</a:t>
             </a:r>
+            <a:endParaRPr lang="en-US"/>
           </a:p>
           <a:p>
             <a:pPr lvl="4"/>
@@ -1555,6 +1584,7 @@
               <a:rPr lang="en-US"/>
               <a:t>Fifth level</a:t>
             </a:r>
+            <a:endParaRPr lang="en-US"/>
           </a:p>
         </p:txBody>
       </p:sp>
@@ -1575,7 +1605,6 @@
           <a:p>
             <a:fld id="{63A1C593-65D0-4073-BCC9-577B9352EA97}" type="datetimeFigureOut">
               <a:rPr lang="en-US" smtClean="0"/>
-              <a:t>11/15/2023</a:t>
             </a:fld>
             <a:endParaRPr lang="en-US"/>
           </a:p>
@@ -1617,7 +1646,6 @@
           <a:p>
             <a:fld id="{9B618960-8005-486C-9A75-10CB2AAC16F9}" type="slidenum">
               <a:rPr lang="en-US" smtClean="0"/>
-              <a:t>‹#›</a:t>
             </a:fld>
             <a:endParaRPr lang="en-US"/>
           </a:p>
@@ -1667,6 +1695,7 @@
               <a:rPr lang="en-US"/>
               <a:t>Click to edit Master title style</a:t>
             </a:r>
+            <a:endParaRPr lang="en-US"/>
           </a:p>
         </p:txBody>
       </p:sp>
@@ -1687,7 +1716,6 @@
           <a:p>
             <a:fld id="{63A1C593-65D0-4073-BCC9-577B9352EA97}" type="datetimeFigureOut">
               <a:rPr lang="en-US" smtClean="0"/>
-              <a:t>11/15/2023</a:t>
             </a:fld>
             <a:endParaRPr lang="en-US"/>
           </a:p>
@@ -1729,7 +1757,6 @@
           <a:p>
             <a:fld id="{9B618960-8005-486C-9A75-10CB2AAC16F9}" type="slidenum">
               <a:rPr lang="en-US" smtClean="0"/>
-              <a:t>‹#›</a:t>
             </a:fld>
             <a:endParaRPr lang="en-US"/>
           </a:p>
@@ -1777,7 +1804,6 @@
           <a:p>
             <a:fld id="{63A1C593-65D0-4073-BCC9-577B9352EA97}" type="datetimeFigureOut">
               <a:rPr lang="en-US" smtClean="0"/>
-              <a:t>11/15/2023</a:t>
             </a:fld>
             <a:endParaRPr lang="en-US"/>
           </a:p>
@@ -1819,7 +1845,6 @@
           <a:p>
             <a:fld id="{9B618960-8005-486C-9A75-10CB2AAC16F9}" type="slidenum">
               <a:rPr lang="en-US" smtClean="0"/>
-              <a:t>‹#›</a:t>
             </a:fld>
             <a:endParaRPr lang="en-US"/>
           </a:p>
@@ -1878,6 +1903,7 @@
               <a:rPr lang="en-US"/>
               <a:t>Click to edit Master title style</a:t>
             </a:r>
+            <a:endParaRPr lang="en-US"/>
           </a:p>
         </p:txBody>
       </p:sp>
@@ -1934,6 +1960,7 @@
               <a:rPr lang="en-US"/>
               <a:t>Click to edit Master text styles</a:t>
             </a:r>
+            <a:endParaRPr lang="en-US"/>
           </a:p>
           <a:p>
             <a:pPr lvl="1"/>
@@ -1941,6 +1968,7 @@
               <a:rPr lang="en-US"/>
               <a:t>Second level</a:t>
             </a:r>
+            <a:endParaRPr lang="en-US"/>
           </a:p>
           <a:p>
             <a:pPr lvl="2"/>
@@ -1948,6 +1976,7 @@
               <a:rPr lang="en-US"/>
               <a:t>Third level</a:t>
             </a:r>
+            <a:endParaRPr lang="en-US"/>
           </a:p>
           <a:p>
             <a:pPr lvl="3"/>
@@ -1955,6 +1984,7 @@
               <a:rPr lang="en-US"/>
               <a:t>Fourth level</a:t>
             </a:r>
+            <a:endParaRPr lang="en-US"/>
           </a:p>
           <a:p>
             <a:pPr lvl="4"/>
@@ -1962,6 +1992,7 @@
               <a:rPr lang="en-US"/>
               <a:t>Fifth level</a:t>
             </a:r>
+            <a:endParaRPr lang="en-US"/>
           </a:p>
         </p:txBody>
       </p:sp>
@@ -2027,6 +2058,7 @@
               <a:rPr lang="en-US"/>
               <a:t>Click to edit Master text styles</a:t>
             </a:r>
+            <a:endParaRPr lang="en-US"/>
           </a:p>
         </p:txBody>
       </p:sp>
@@ -2047,7 +2079,6 @@
           <a:p>
             <a:fld id="{63A1C593-65D0-4073-BCC9-577B9352EA97}" type="datetimeFigureOut">
               <a:rPr lang="en-US" smtClean="0"/>
-              <a:t>11/15/2023</a:t>
             </a:fld>
             <a:endParaRPr lang="en-US"/>
           </a:p>
@@ -2089,7 +2120,6 @@
           <a:p>
             <a:fld id="{9B618960-8005-486C-9A75-10CB2AAC16F9}" type="slidenum">
               <a:rPr lang="en-US" smtClean="0"/>
-              <a:t>‹#›</a:t>
             </a:fld>
             <a:endParaRPr lang="en-US"/>
           </a:p>
@@ -2148,6 +2178,7 @@
               <a:rPr lang="en-US"/>
               <a:t>Click to edit Master title style</a:t>
             </a:r>
+            <a:endParaRPr lang="en-US"/>
           </a:p>
         </p:txBody>
       </p:sp>
@@ -2274,6 +2305,7 @@
               <a:rPr lang="en-US"/>
               <a:t>Click to edit Master text styles</a:t>
             </a:r>
+            <a:endParaRPr lang="en-US"/>
           </a:p>
         </p:txBody>
       </p:sp>
@@ -2294,7 +2326,6 @@
           <a:p>
             <a:fld id="{63A1C593-65D0-4073-BCC9-577B9352EA97}" type="datetimeFigureOut">
               <a:rPr lang="en-US" smtClean="0"/>
-              <a:t>11/15/2023</a:t>
             </a:fld>
             <a:endParaRPr lang="en-US"/>
           </a:p>
@@ -2336,7 +2367,6 @@
           <a:p>
             <a:fld id="{9B618960-8005-486C-9A75-10CB2AAC16F9}" type="slidenum">
               <a:rPr lang="en-US" smtClean="0"/>
-              <a:t>‹#›</a:t>
             </a:fld>
             <a:endParaRPr lang="en-US"/>
           </a:p>
@@ -2401,6 +2431,7 @@
               <a:rPr lang="en-US"/>
               <a:t>Click to edit Master title style</a:t>
             </a:r>
+            <a:endParaRPr lang="en-US"/>
           </a:p>
         </p:txBody>
       </p:sp>
@@ -2434,6 +2465,7 @@
               <a:rPr lang="en-US"/>
               <a:t>Click to edit Master text styles</a:t>
             </a:r>
+            <a:endParaRPr lang="en-US"/>
           </a:p>
           <a:p>
             <a:pPr lvl="1"/>
@@ -2441,6 +2473,7 @@
               <a:rPr lang="en-US"/>
               <a:t>Second level</a:t>
             </a:r>
+            <a:endParaRPr lang="en-US"/>
           </a:p>
           <a:p>
             <a:pPr lvl="2"/>
@@ -2448,6 +2481,7 @@
               <a:rPr lang="en-US"/>
               <a:t>Third level</a:t>
             </a:r>
+            <a:endParaRPr lang="en-US"/>
           </a:p>
           <a:p>
             <a:pPr lvl="3"/>
@@ -2455,6 +2489,7 @@
               <a:rPr lang="en-US"/>
               <a:t>Fourth level</a:t>
             </a:r>
+            <a:endParaRPr lang="en-US"/>
           </a:p>
           <a:p>
             <a:pPr lvl="4"/>
@@ -2462,6 +2497,7 @@
               <a:rPr lang="en-US"/>
               <a:t>Fifth level</a:t>
             </a:r>
+            <a:endParaRPr lang="en-US"/>
           </a:p>
         </p:txBody>
       </p:sp>
@@ -2500,7 +2536,6 @@
           <a:p>
             <a:fld id="{63A1C593-65D0-4073-BCC9-577B9352EA97}" type="datetimeFigureOut">
               <a:rPr lang="en-US" smtClean="0"/>
-              <a:t>11/15/2023</a:t>
             </a:fld>
             <a:endParaRPr lang="en-US"/>
           </a:p>
@@ -2578,7 +2613,6 @@
           <a:p>
             <a:fld id="{9B618960-8005-486C-9A75-10CB2AAC16F9}" type="slidenum">
               <a:rPr lang="en-US" smtClean="0"/>
-              <a:t>‹#›</a:t>
             </a:fld>
             <a:endParaRPr lang="en-US"/>
           </a:p>
@@ -2940,6 +2974,7 @@
               <a:rPr lang="zh-CN"/>
               <a:t>楼</a:t>
             </a:r>
+            <a:endParaRPr lang="zh-CN"/>
           </a:p>
           <a:p>
             <a:pPr algn="ctr"/>
@@ -2947,6 +2982,7 @@
               <a:rPr lang="en-US" altLang="zh-CN"/>
               <a:t>——————</a:t>
             </a:r>
+            <a:endParaRPr lang="en-US" altLang="zh-CN"/>
           </a:p>
           <a:p>
             <a:pPr algn="ctr"/>
@@ -2954,6 +2990,7 @@
               <a:rPr lang="zh-CN" altLang="en-US"/>
               <a:t>楼号</a:t>
             </a:r>
+            <a:endParaRPr lang="zh-CN" altLang="en-US"/>
           </a:p>
           <a:p>
             <a:pPr algn="ctr"/>
@@ -2961,6 +2998,7 @@
               <a:rPr lang="zh-CN" altLang="en-US"/>
               <a:t>楼名称</a:t>
             </a:r>
+            <a:endParaRPr lang="zh-CN" altLang="en-US"/>
           </a:p>
           <a:p>
             <a:pPr algn="ctr"/>
@@ -2968,6 +3006,7 @@
               <a:rPr lang="en-US" altLang="zh-CN"/>
               <a:t>——————</a:t>
             </a:r>
+            <a:endParaRPr lang="en-US" altLang="zh-CN"/>
           </a:p>
           <a:p>
             <a:pPr algn="ctr"/>
@@ -2975,6 +3014,7 @@
               <a:rPr lang="zh-CN" altLang="en-US"/>
               <a:t>进入楼</a:t>
             </a:r>
+            <a:endParaRPr lang="zh-CN" altLang="en-US"/>
           </a:p>
           <a:p>
             <a:pPr algn="ctr"/>
@@ -2982,6 +3022,7 @@
               <a:rPr lang="zh-CN" altLang="en-US"/>
               <a:t>离开楼</a:t>
             </a:r>
+            <a:endParaRPr lang="zh-CN" altLang="en-US"/>
           </a:p>
         </p:txBody>
       </p:sp>
@@ -3025,6 +3066,7 @@
               <a:rPr lang="zh-CN"/>
               <a:t>教室</a:t>
             </a:r>
+            <a:endParaRPr lang="zh-CN"/>
           </a:p>
           <a:p>
             <a:pPr algn="ctr"/>
@@ -3032,6 +3074,7 @@
               <a:rPr lang="en-US" altLang="zh-CN"/>
               <a:t>——————</a:t>
             </a:r>
+            <a:endParaRPr lang="en-US" altLang="zh-CN"/>
           </a:p>
           <a:p>
             <a:pPr algn="ctr"/>
@@ -3039,6 +3082,7 @@
               <a:rPr lang="zh-CN" altLang="en-US"/>
               <a:t>教室号</a:t>
             </a:r>
+            <a:endParaRPr lang="zh-CN" altLang="en-US"/>
           </a:p>
           <a:p>
             <a:pPr algn="ctr"/>
@@ -3052,6 +3096,7 @@
               <a:rPr lang="zh-CN" altLang="en-US"/>
               <a:t>名称</a:t>
             </a:r>
+            <a:endParaRPr lang="zh-CN" altLang="en-US"/>
           </a:p>
           <a:p>
             <a:pPr algn="ctr"/>
@@ -3059,6 +3104,7 @@
               <a:rPr lang="en-US" altLang="zh-CN"/>
               <a:t>——————</a:t>
             </a:r>
+            <a:endParaRPr lang="en-US" altLang="zh-CN"/>
           </a:p>
           <a:p>
             <a:pPr algn="ctr"/>
@@ -3086,6 +3132,9 @@
               </a:rPr>
               <a:t>教室</a:t>
             </a:r>
+            <a:endParaRPr lang="zh-CN" altLang="en-US">
+              <a:sym typeface="+mn-ea"/>
+            </a:endParaRPr>
           </a:p>
           <a:p>
             <a:pPr algn="ctr"/>
@@ -3093,6 +3142,7 @@
               <a:rPr lang="zh-CN" altLang="en-US"/>
               <a:t>进入讨论板</a:t>
             </a:r>
+            <a:endParaRPr lang="zh-CN" altLang="en-US"/>
           </a:p>
         </p:txBody>
       </p:sp>
@@ -3136,6 +3186,7 @@
               <a:rPr lang="zh-CN"/>
               <a:t>座位</a:t>
             </a:r>
+            <a:endParaRPr lang="zh-CN"/>
           </a:p>
           <a:p>
             <a:pPr algn="ctr"/>
@@ -3143,6 +3194,7 @@
               <a:rPr lang="en-US" altLang="zh-CN"/>
               <a:t>——————</a:t>
             </a:r>
+            <a:endParaRPr lang="en-US" altLang="zh-CN"/>
           </a:p>
           <a:p>
             <a:pPr algn="ctr"/>
@@ -3150,6 +3202,7 @@
               <a:rPr lang="zh-CN" altLang="en-US"/>
               <a:t>座位号</a:t>
             </a:r>
+            <a:endParaRPr lang="zh-CN" altLang="en-US"/>
           </a:p>
           <a:p>
             <a:pPr algn="ctr"/>
@@ -3161,6 +3214,7 @@
               <a:rPr lang="en-US" altLang="zh-CN"/>
               <a:t>——————</a:t>
             </a:r>
+            <a:endParaRPr lang="en-US" altLang="zh-CN"/>
           </a:p>
           <a:p>
             <a:pPr algn="ctr"/>
@@ -3168,6 +3222,7 @@
               <a:rPr lang="zh-CN" altLang="en-US"/>
               <a:t>座位入座</a:t>
             </a:r>
+            <a:endParaRPr lang="zh-CN" altLang="en-US"/>
           </a:p>
           <a:p>
             <a:pPr algn="ctr"/>
@@ -3225,6 +3280,7 @@
               <a:rPr lang="zh-CN"/>
               <a:t>学习计划</a:t>
             </a:r>
+            <a:endParaRPr lang="zh-CN"/>
           </a:p>
           <a:p>
             <a:pPr algn="ctr"/>
@@ -3232,6 +3288,7 @@
               <a:rPr lang="en-US" altLang="zh-CN"/>
               <a:t>————————</a:t>
             </a:r>
+            <a:endParaRPr lang="en-US" altLang="zh-CN"/>
           </a:p>
           <a:p>
             <a:pPr algn="ctr"/>
@@ -3239,6 +3296,7 @@
               <a:rPr lang="zh-CN" altLang="en-US"/>
               <a:t>自习时间</a:t>
             </a:r>
+            <a:endParaRPr lang="zh-CN" altLang="en-US"/>
           </a:p>
           <a:p>
             <a:pPr algn="ctr"/>
@@ -3246,6 +3304,7 @@
               <a:rPr lang="zh-CN" altLang="en-US"/>
               <a:t>休息时间</a:t>
             </a:r>
+            <a:endParaRPr lang="zh-CN" altLang="en-US"/>
           </a:p>
           <a:p>
             <a:pPr algn="ctr"/>
@@ -3253,6 +3312,7 @@
               <a:rPr lang="zh-CN" altLang="en-US"/>
               <a:t>周期数</a:t>
             </a:r>
+            <a:endParaRPr lang="zh-CN" altLang="en-US"/>
           </a:p>
           <a:p>
             <a:pPr algn="ctr"/>
@@ -3260,6 +3320,7 @@
               <a:rPr lang="en-US" altLang="zh-CN"/>
               <a:t>—————————</a:t>
             </a:r>
+            <a:endParaRPr lang="en-US" altLang="zh-CN"/>
           </a:p>
           <a:p>
             <a:pPr algn="ctr"/>
@@ -3267,6 +3328,7 @@
               <a:rPr lang="zh-CN" altLang="en-US"/>
               <a:t>设置计划信息</a:t>
             </a:r>
+            <a:endParaRPr lang="zh-CN" altLang="en-US"/>
           </a:p>
           <a:p>
             <a:pPr algn="ctr"/>
@@ -3274,6 +3336,7 @@
               <a:rPr lang="zh-CN" altLang="en-US"/>
               <a:t>开始自习</a:t>
             </a:r>
+            <a:endParaRPr lang="zh-CN" altLang="en-US"/>
           </a:p>
           <a:p>
             <a:pPr algn="ctr"/>
@@ -3281,6 +3344,7 @@
               <a:rPr lang="zh-CN" altLang="en-US"/>
               <a:t>结束自习</a:t>
             </a:r>
+            <a:endParaRPr lang="zh-CN" altLang="en-US"/>
           </a:p>
         </p:txBody>
       </p:sp>
@@ -3324,6 +3388,7 @@
               <a:rPr lang="zh-CN"/>
               <a:t>讨论板</a:t>
             </a:r>
+            <a:endParaRPr lang="zh-CN"/>
           </a:p>
           <a:p>
             <a:pPr algn="ctr"/>
@@ -3331,6 +3396,7 @@
               <a:rPr lang="en-US" altLang="zh-CN"/>
               <a:t>——————</a:t>
             </a:r>
+            <a:endParaRPr lang="en-US" altLang="zh-CN"/>
           </a:p>
           <a:p>
             <a:pPr algn="ctr"/>
@@ -3338,6 +3404,7 @@
               <a:rPr lang="zh-CN" altLang="en-US"/>
               <a:t>讨论板号</a:t>
             </a:r>
+            <a:endParaRPr lang="zh-CN" altLang="en-US"/>
           </a:p>
           <a:p>
             <a:pPr algn="ctr"/>
@@ -3345,6 +3412,7 @@
               <a:rPr lang="en-US" altLang="zh-CN"/>
               <a:t>——————</a:t>
             </a:r>
+            <a:endParaRPr lang="en-US" altLang="zh-CN"/>
           </a:p>
           <a:p>
             <a:pPr algn="ctr"/>
@@ -3352,6 +3420,7 @@
               <a:rPr lang="zh-CN" altLang="en-US"/>
               <a:t>搜索问题</a:t>
             </a:r>
+            <a:endParaRPr lang="zh-CN" altLang="en-US"/>
           </a:p>
           <a:p>
             <a:pPr algn="ctr"/>
@@ -3359,6 +3428,7 @@
               <a:rPr lang="zh-CN" altLang="en-US"/>
               <a:t>查看问题</a:t>
             </a:r>
+            <a:endParaRPr lang="zh-CN" altLang="en-US"/>
           </a:p>
           <a:p>
             <a:pPr algn="ctr"/>
@@ -3366,6 +3436,7 @@
               <a:rPr lang="zh-CN" altLang="en-US"/>
               <a:t>发布问题</a:t>
             </a:r>
+            <a:endParaRPr lang="zh-CN" altLang="en-US"/>
           </a:p>
           <a:p>
             <a:pPr algn="ctr"/>
@@ -3373,6 +3444,7 @@
               <a:rPr lang="zh-CN" altLang="en-US"/>
               <a:t>回答问题</a:t>
             </a:r>
+            <a:endParaRPr lang="zh-CN" altLang="en-US"/>
           </a:p>
         </p:txBody>
       </p:sp>
@@ -3552,94 +3624,6 @@
           </p:txBody>
         </p:sp>
       </p:grpSp>
-      <p:grpSp>
-        <p:nvGrpSpPr>
-          <p:cNvPr id="16" name="Group 15"/>
-          <p:cNvGrpSpPr/>
-          <p:nvPr/>
-        </p:nvGrpSpPr>
-        <p:grpSpPr>
-          <a:xfrm>
-            <a:off x="8273415" y="1776095"/>
-            <a:ext cx="1309370" cy="120015"/>
-            <a:chOff x="13194" y="7713"/>
-            <a:chExt cx="2062" cy="189"/>
-          </a:xfrm>
-        </p:grpSpPr>
-        <p:cxnSp>
-          <p:nvCxnSpPr>
-            <p:cNvPr id="17" name="Straight Connector 16"/>
-            <p:cNvCxnSpPr/>
-            <p:nvPr/>
-          </p:nvCxnSpPr>
-          <p:spPr>
-            <a:xfrm>
-              <a:off x="13464" y="7808"/>
-              <a:ext cx="1792" cy="14"/>
-            </a:xfrm>
-            <a:prstGeom prst="line">
-              <a:avLst/>
-            </a:prstGeom>
-          </p:spPr>
-          <p:style>
-            <a:lnRef idx="2">
-              <a:schemeClr val="accent1"/>
-            </a:lnRef>
-            <a:fillRef idx="0">
-              <a:srgbClr val="FFFFFF"/>
-            </a:fillRef>
-            <a:effectRef idx="0">
-              <a:srgbClr val="FFFFFF"/>
-            </a:effectRef>
-            <a:fontRef idx="minor">
-              <a:schemeClr val="tx1"/>
-            </a:fontRef>
-          </p:style>
-        </p:cxnSp>
-        <p:sp>
-          <p:nvSpPr>
-            <p:cNvPr id="18" name="Parallelogram 17"/>
-            <p:cNvSpPr/>
-            <p:nvPr/>
-          </p:nvSpPr>
-          <p:spPr>
-            <a:xfrm rot="2280000">
-              <a:off x="13194" y="7713"/>
-              <a:ext cx="237" cy="189"/>
-            </a:xfrm>
-            <a:prstGeom prst="parallelogram">
-              <a:avLst/>
-            </a:prstGeom>
-            <a:solidFill>
-              <a:schemeClr val="bg1"/>
-            </a:solidFill>
-          </p:spPr>
-          <p:style>
-            <a:lnRef idx="2">
-              <a:schemeClr val="accent1">
-                <a:lumMod val="75000"/>
-              </a:schemeClr>
-            </a:lnRef>
-            <a:fillRef idx="1">
-              <a:schemeClr val="accent1"/>
-            </a:fillRef>
-            <a:effectRef idx="0">
-              <a:srgbClr val="FFFFFF"/>
-            </a:effectRef>
-            <a:fontRef idx="minor">
-              <a:schemeClr val="lt1"/>
-            </a:fontRef>
-          </p:style>
-          <p:txBody>
-            <a:bodyPr rtlCol="0" anchor="ctr"/>
-            <a:lstStyle/>
-            <a:p>
-              <a:pPr algn="ctr"/>
-              <a:endParaRPr lang="en-US"/>
-            </a:p>
-          </p:txBody>
-        </p:sp>
-      </p:grpSp>
       <p:sp>
         <p:nvSpPr>
           <p:cNvPr id="22" name="Rectangles 21"/>
@@ -3680,6 +3664,7 @@
               <a:rPr lang="zh-CN"/>
               <a:t>用户</a:t>
             </a:r>
+            <a:endParaRPr lang="zh-CN"/>
           </a:p>
           <a:p>
             <a:pPr algn="ctr"/>
@@ -3687,6 +3672,7 @@
               <a:rPr lang="en-US" altLang="zh-CN"/>
               <a:t>——————</a:t>
             </a:r>
+            <a:endParaRPr lang="en-US" altLang="zh-CN"/>
           </a:p>
           <a:p>
             <a:pPr algn="ctr"/>
@@ -3694,6 +3680,7 @@
               <a:rPr lang="zh-CN" altLang="en-US"/>
               <a:t>用户号</a:t>
             </a:r>
+            <a:endParaRPr lang="zh-CN" altLang="en-US"/>
           </a:p>
           <a:p>
             <a:pPr algn="ctr"/>
@@ -3701,6 +3688,7 @@
               <a:rPr lang="zh-CN" altLang="en-US"/>
               <a:t>用户名称</a:t>
             </a:r>
+            <a:endParaRPr lang="zh-CN" altLang="en-US"/>
           </a:p>
           <a:p>
             <a:pPr algn="ctr"/>
@@ -3708,6 +3696,7 @@
               <a:rPr lang="en-US" altLang="zh-CN"/>
               <a:t>——————</a:t>
             </a:r>
+            <a:endParaRPr lang="en-US" altLang="zh-CN"/>
           </a:p>
           <a:p>
             <a:pPr algn="ctr"/>
@@ -3715,6 +3704,7 @@
               <a:rPr lang="zh-CN" altLang="en-US"/>
               <a:t>退出登录</a:t>
             </a:r>
+            <a:endParaRPr lang="zh-CN" altLang="en-US"/>
           </a:p>
         </p:txBody>
       </p:sp>
@@ -3939,6 +3929,7 @@
               <a:rPr lang="zh-CN" altLang="en-US" sz="2400"/>
               <a:t>类图</a:t>
             </a:r>
+            <a:endParaRPr lang="zh-CN" altLang="en-US" sz="2400"/>
           </a:p>
         </p:txBody>
       </p:sp>
@@ -3983,6 +3974,135 @@
           </a:fontRef>
         </p:style>
       </p:cxnSp>
+      <p:cxnSp>
+        <p:nvCxnSpPr>
+          <p:cNvPr id="3" name="Straight Arrow Connector 2"/>
+          <p:cNvCxnSpPr/>
+          <p:nvPr/>
+        </p:nvCxnSpPr>
+        <p:spPr>
+          <a:xfrm flipH="1" flipV="1">
+            <a:off x="8293100" y="1868805"/>
+            <a:ext cx="1246505" cy="1905"/>
+          </a:xfrm>
+          <a:prstGeom prst="straightConnector1">
+            <a:avLst/>
+          </a:prstGeom>
+          <a:ln>
+            <a:tailEnd type="arrow"/>
+          </a:ln>
+        </p:spPr>
+        <p:style>
+          <a:lnRef idx="2">
+            <a:schemeClr val="accent1"/>
+          </a:lnRef>
+          <a:fillRef idx="0">
+            <a:srgbClr val="FFFFFF"/>
+          </a:fillRef>
+          <a:effectRef idx="0">
+            <a:srgbClr val="FFFFFF"/>
+          </a:effectRef>
+          <a:fontRef idx="minor">
+            <a:schemeClr val="tx1"/>
+          </a:fontRef>
+        </p:style>
+      </p:cxnSp>
+      <p:sp>
+        <p:nvSpPr>
+          <p:cNvPr id="10" name="Text Box 9"/>
+          <p:cNvSpPr txBox="1"/>
+          <p:nvPr/>
+        </p:nvSpPr>
+        <p:spPr>
+          <a:xfrm>
+            <a:off x="8238490" y="1562100"/>
+            <a:ext cx="349885" cy="306705"/>
+          </a:xfrm>
+          <a:prstGeom prst="rect">
+            <a:avLst/>
+          </a:prstGeom>
+          <a:noFill/>
+          <a:ln>
+            <a:noFill/>
+          </a:ln>
+        </p:spPr>
+        <p:txBody>
+          <a:bodyPr wrap="square" rtlCol="0">
+            <a:spAutoFit/>
+          </a:bodyPr>
+          <a:p>
+            <a:r>
+              <a:rPr lang="en-US" sz="1400"/>
+              <a:t>1</a:t>
+            </a:r>
+            <a:endParaRPr lang="en-US" sz="1400"/>
+          </a:p>
+        </p:txBody>
+      </p:sp>
+      <p:sp>
+        <p:nvSpPr>
+          <p:cNvPr id="19" name="Text Box 18"/>
+          <p:cNvSpPr txBox="1"/>
+          <p:nvPr/>
+        </p:nvSpPr>
+        <p:spPr>
+          <a:xfrm>
+            <a:off x="9267190" y="1572260"/>
+            <a:ext cx="328930" cy="306705"/>
+          </a:xfrm>
+          <a:prstGeom prst="rect">
+            <a:avLst/>
+          </a:prstGeom>
+          <a:noFill/>
+          <a:ln>
+            <a:noFill/>
+          </a:ln>
+        </p:spPr>
+        <p:txBody>
+          <a:bodyPr wrap="square" rtlCol="0">
+            <a:spAutoFit/>
+          </a:bodyPr>
+          <a:p>
+            <a:r>
+              <a:rPr lang="en-US" sz="1400"/>
+              <a:t>*</a:t>
+            </a:r>
+            <a:endParaRPr lang="en-US" sz="1400"/>
+          </a:p>
+        </p:txBody>
+      </p:sp>
+      <p:sp>
+        <p:nvSpPr>
+          <p:cNvPr id="20" name="Text Box 19"/>
+          <p:cNvSpPr txBox="1"/>
+          <p:nvPr/>
+        </p:nvSpPr>
+        <p:spPr>
+          <a:xfrm>
+            <a:off x="9102090" y="1870710"/>
+            <a:ext cx="658495" cy="306705"/>
+          </a:xfrm>
+          <a:prstGeom prst="rect">
+            <a:avLst/>
+          </a:prstGeom>
+          <a:noFill/>
+          <a:ln>
+            <a:noFill/>
+          </a:ln>
+        </p:spPr>
+        <p:txBody>
+          <a:bodyPr wrap="square" rtlCol="0">
+            <a:spAutoFit/>
+          </a:bodyPr>
+          <a:p>
+            <a:r>
+              <a:rPr lang="zh-CN" altLang="en-US" sz="1400"/>
+              <a:t>位于</a:t>
+            </a:r>
+            <a:endParaRPr lang="zh-CN" altLang="en-US" sz="1400"/>
+          </a:p>
+        </p:txBody>
+      </p:sp>
     </p:spTree>
   </p:cSld>
   <p:clrMapOvr>
@@ -4090,7 +4210,6 @@
               <a:pPr algn="ctr"/>
               <a:r>
                 <a:rPr lang="zh-CN" altLang="en-US" sz="2000" b="1">
-                  <a:ln/>
                   <a:solidFill>
                     <a:schemeClr val="accent1"/>
                   </a:solidFill>
@@ -4104,6 +4223,18 @@
                 </a:rPr>
                 <a:t>大</a:t>
               </a:r>
+              <a:endParaRPr lang="zh-CN" altLang="en-US" sz="2000" b="1">
+                <a:solidFill>
+                  <a:schemeClr val="accent1"/>
+                </a:solidFill>
+                <a:effectLst>
+                  <a:outerShdw blurRad="38100" dist="25400" dir="5400000" algn="ctr" rotWithShape="0">
+                    <a:srgbClr val="6E747A">
+                      <a:alpha val="43000"/>
+                    </a:srgbClr>
+                  </a:outerShdw>
+                </a:effectLst>
+              </a:endParaRPr>
             </a:p>
           </p:txBody>
         </p:sp>
@@ -4188,6 +4319,7 @@
               <a:rPr lang="zh-CN" altLang="en-US"/>
               <a:t>楼</a:t>
             </a:r>
+            <a:endParaRPr lang="zh-CN" altLang="en-US"/>
           </a:p>
         </p:txBody>
       </p:sp>
@@ -4376,6 +4508,7 @@
               <a:rPr lang="zh-CN" altLang="en-US"/>
               <a:t>教室</a:t>
             </a:r>
+            <a:endParaRPr lang="zh-CN" altLang="en-US"/>
           </a:p>
         </p:txBody>
       </p:sp>
@@ -4496,6 +4629,7 @@
               <a:rPr lang="zh-CN" altLang="en-US"/>
               <a:t>座位</a:t>
             </a:r>
+            <a:endParaRPr lang="zh-CN" altLang="en-US"/>
           </a:p>
         </p:txBody>
       </p:sp>
@@ -4760,6 +4894,7 @@
               <a:rPr lang="zh-CN" altLang="en-US"/>
               <a:t>学习计划</a:t>
             </a:r>
+            <a:endParaRPr lang="zh-CN" altLang="en-US"/>
           </a:p>
         </p:txBody>
       </p:sp>
@@ -4871,7 +5006,6 @@
             <a:pPr algn="ctr"/>
             <a:r>
               <a:rPr lang="en-US" altLang="zh-CN" sz="2800" b="1">
-                <a:ln/>
                 <a:solidFill>
                   <a:schemeClr val="accent1"/>
                 </a:solidFill>
@@ -4885,6 +5019,18 @@
               </a:rPr>
               <a:t>X</a:t>
             </a:r>
+            <a:endParaRPr lang="en-US" altLang="zh-CN" sz="2800" b="1">
+              <a:solidFill>
+                <a:schemeClr val="accent1"/>
+              </a:solidFill>
+              <a:effectLst>
+                <a:outerShdw blurRad="38100" dist="25400" dir="5400000" algn="ctr" rotWithShape="0">
+                  <a:srgbClr val="6E747A">
+                    <a:alpha val="43000"/>
+                  </a:srgbClr>
+                </a:outerShdw>
+              </a:effectLst>
+            </a:endParaRPr>
           </a:p>
         </p:txBody>
       </p:sp>
@@ -4952,6 +5098,7 @@
               <a:rPr lang="zh-CN" altLang="en-US" sz="1000"/>
               <a:t>进入楼</a:t>
             </a:r>
+            <a:endParaRPr lang="zh-CN" altLang="en-US" sz="1000"/>
           </a:p>
         </p:txBody>
       </p:sp>
@@ -4981,6 +5128,7 @@
               <a:rPr lang="zh-CN" altLang="en-US" sz="1000"/>
               <a:t>进入教室</a:t>
             </a:r>
+            <a:endParaRPr lang="zh-CN" altLang="en-US" sz="1000"/>
           </a:p>
         </p:txBody>
       </p:sp>
@@ -5010,6 +5158,7 @@
               <a:rPr lang="zh-CN" altLang="en-US" sz="1000"/>
               <a:t>座位入座</a:t>
             </a:r>
+            <a:endParaRPr lang="zh-CN" altLang="en-US" sz="1000"/>
           </a:p>
         </p:txBody>
       </p:sp>
@@ -5039,6 +5188,7 @@
               <a:rPr lang="zh-CN" altLang="en-US" sz="1000"/>
               <a:t>制订学习计划</a:t>
             </a:r>
+            <a:endParaRPr lang="zh-CN" altLang="en-US" sz="1000"/>
           </a:p>
         </p:txBody>
       </p:sp>
@@ -5068,6 +5218,7 @@
               <a:rPr lang="zh-CN" altLang="en-US" sz="2400"/>
               <a:t>顺序图</a:t>
             </a:r>
+            <a:endParaRPr lang="zh-CN" altLang="en-US" sz="2400"/>
           </a:p>
         </p:txBody>
       </p:sp>
@@ -5111,6 +5262,7 @@
               <a:rPr lang="zh-CN" altLang="en-US"/>
               <a:t>讨论板</a:t>
             </a:r>
+            <a:endParaRPr lang="zh-CN" altLang="en-US"/>
           </a:p>
         </p:txBody>
       </p:sp>
@@ -5280,6 +5432,7 @@
               <a:rPr lang="zh-CN" altLang="en-US" sz="1000"/>
               <a:t>进入讨论板</a:t>
             </a:r>
+            <a:endParaRPr lang="zh-CN" altLang="en-US" sz="1000"/>
           </a:p>
         </p:txBody>
       </p:sp>
@@ -5338,6 +5491,60 @@
         <p:cNvGrpSpPr/>
         <p:nvPr/>
       </p:nvGrpSpPr>
+      <p:grpSpPr/>
+      <p:sp>
+        <p:nvSpPr>
+          <p:cNvPr id="2" name="Title 1"/>
+          <p:cNvSpPr>
+            <a:spLocks noGrp="1"/>
+          </p:cNvSpPr>
+          <p:nvPr>
+            <p:ph type="title"/>
+          </p:nvPr>
+        </p:nvSpPr>
+        <p:spPr/>
+        <p:txBody>
+          <a:bodyPr/>
+          <a:p>
+            <a:endParaRPr lang="en-US"/>
+          </a:p>
+        </p:txBody>
+      </p:sp>
+      <p:sp>
+        <p:nvSpPr>
+          <p:cNvPr id="3" name="Content Placeholder 2"/>
+          <p:cNvSpPr>
+            <a:spLocks noGrp="1"/>
+          </p:cNvSpPr>
+          <p:nvPr>
+            <p:ph idx="1"/>
+          </p:nvPr>
+        </p:nvSpPr>
+        <p:spPr/>
+        <p:txBody>
+          <a:bodyPr/>
+          <a:p>
+            <a:endParaRPr lang="en-US"/>
+          </a:p>
+        </p:txBody>
+      </p:sp>
+    </p:spTree>
+  </p:cSld>
+  <p:clrMapOvr>
+    <a:masterClrMapping/>
+  </p:clrMapOvr>
+</p:sld>
+</file>
+
+<file path=ppt/slides/slide4.xml><?xml version="1.0" encoding="utf-8"?>
+<p:sld xmlns:a="http://schemas.openxmlformats.org/drawingml/2006/main" xmlns:r="http://schemas.openxmlformats.org/officeDocument/2006/relationships" xmlns:p="http://schemas.openxmlformats.org/presentationml/2006/main">
+  <p:cSld>
+    <p:spTree>
+      <p:nvGrpSpPr>
+        <p:cNvPr id="1" name=""/>
+        <p:cNvGrpSpPr/>
+        <p:nvPr/>
+      </p:nvGrpSpPr>
       <p:grpSpPr>
         <a:xfrm>
           <a:off x="0" y="0"/>
@@ -5372,6 +5579,7 @@
               <a:rPr lang="zh-CN" altLang="en-US" sz="2400"/>
               <a:t>用户状态图</a:t>
             </a:r>
+            <a:endParaRPr lang="zh-CN" altLang="en-US" sz="2400"/>
           </a:p>
         </p:txBody>
       </p:sp>
@@ -5455,6 +5663,7 @@
               <a:rPr lang="zh-CN" altLang="en-US"/>
               <a:t>处于主菜单</a:t>
             </a:r>
+            <a:endParaRPr lang="zh-CN" altLang="en-US"/>
           </a:p>
         </p:txBody>
       </p:sp>
@@ -5498,6 +5707,7 @@
               <a:rPr lang="zh-CN" altLang="en-US"/>
               <a:t>处于楼中</a:t>
             </a:r>
+            <a:endParaRPr lang="zh-CN" altLang="en-US"/>
           </a:p>
         </p:txBody>
       </p:sp>
@@ -5541,6 +5751,7 @@
               <a:rPr lang="zh-CN" altLang="en-US"/>
               <a:t>处于教室中</a:t>
             </a:r>
+            <a:endParaRPr lang="zh-CN" altLang="en-US"/>
           </a:p>
         </p:txBody>
       </p:sp>
@@ -5584,6 +5795,7 @@
               <a:rPr lang="zh-CN" altLang="en-US"/>
               <a:t>处于座位上</a:t>
             </a:r>
+            <a:endParaRPr lang="zh-CN" altLang="en-US"/>
           </a:p>
         </p:txBody>
       </p:sp>
@@ -5627,6 +5839,7 @@
               <a:rPr lang="zh-CN" altLang="en-US"/>
               <a:t>在自习</a:t>
             </a:r>
+            <a:endParaRPr lang="zh-CN" altLang="en-US"/>
           </a:p>
         </p:txBody>
       </p:sp>
@@ -5955,6 +6168,7 @@
               <a:rPr lang="zh-CN" altLang="en-US" sz="1400"/>
               <a:t>进入楼</a:t>
             </a:r>
+            <a:endParaRPr lang="zh-CN" altLang="en-US" sz="1400"/>
           </a:p>
         </p:txBody>
       </p:sp>
@@ -5984,6 +6198,7 @@
               <a:rPr lang="zh-CN" altLang="en-US" sz="1400"/>
               <a:t>离开楼</a:t>
             </a:r>
+            <a:endParaRPr lang="zh-CN" altLang="en-US" sz="1400"/>
           </a:p>
         </p:txBody>
       </p:sp>
@@ -6013,6 +6228,7 @@
               <a:rPr lang="zh-CN" altLang="en-US" sz="1400"/>
               <a:t>离开教室</a:t>
             </a:r>
+            <a:endParaRPr lang="zh-CN" altLang="en-US" sz="1400"/>
           </a:p>
         </p:txBody>
       </p:sp>
@@ -6042,6 +6258,7 @@
               <a:rPr lang="zh-CN" altLang="en-US" sz="1400"/>
               <a:t>进入教室</a:t>
             </a:r>
+            <a:endParaRPr lang="zh-CN" altLang="en-US" sz="1400"/>
           </a:p>
         </p:txBody>
       </p:sp>
@@ -6071,6 +6288,7 @@
               <a:rPr lang="zh-CN" altLang="en-US" sz="1400"/>
               <a:t>座位入座</a:t>
             </a:r>
+            <a:endParaRPr lang="zh-CN" altLang="en-US" sz="1400"/>
           </a:p>
         </p:txBody>
       </p:sp>
@@ -6100,6 +6318,7 @@
               <a:rPr lang="zh-CN" altLang="en-US" sz="1400"/>
               <a:t>离开座位</a:t>
             </a:r>
+            <a:endParaRPr lang="zh-CN" altLang="en-US" sz="1400"/>
           </a:p>
         </p:txBody>
       </p:sp>
@@ -6129,6 +6348,7 @@
               <a:rPr lang="zh-CN" altLang="en-US" sz="1400"/>
               <a:t>结束自习</a:t>
             </a:r>
+            <a:endParaRPr lang="zh-CN" altLang="en-US" sz="1400"/>
           </a:p>
         </p:txBody>
       </p:sp>
@@ -6158,6 +6378,7 @@
               <a:rPr lang="zh-CN" altLang="en-US" sz="1400"/>
               <a:t>开始自习</a:t>
             </a:r>
+            <a:endParaRPr lang="zh-CN" altLang="en-US" sz="1400"/>
           </a:p>
         </p:txBody>
       </p:sp>
@@ -6201,6 +6422,7 @@
               <a:rPr lang="zh-CN" altLang="en-US"/>
               <a:t>处于讨论板</a:t>
             </a:r>
+            <a:endParaRPr lang="zh-CN" altLang="en-US"/>
           </a:p>
         </p:txBody>
       </p:sp>
@@ -6296,6 +6518,7 @@
               <a:rPr lang="zh-CN" altLang="en-US" sz="1400"/>
               <a:t>进入讨论板</a:t>
             </a:r>
+            <a:endParaRPr lang="zh-CN" altLang="en-US" sz="1400"/>
           </a:p>
         </p:txBody>
       </p:sp>
@@ -6325,6 +6548,7 @@
               <a:rPr lang="zh-CN" altLang="en-US" sz="1400"/>
               <a:t>离开讨论板</a:t>
             </a:r>
+            <a:endParaRPr lang="zh-CN" altLang="en-US" sz="1400"/>
           </a:p>
         </p:txBody>
       </p:sp>
@@ -6336,7 +6560,7 @@
 </p:sld>
 </file>
 
-<file path=ppt/slides/slide4.xml><?xml version="1.0" encoding="utf-8"?>
+<file path=ppt/slides/slide5.xml><?xml version="1.0" encoding="utf-8"?>
 <p:sld xmlns:a="http://schemas.openxmlformats.org/drawingml/2006/main" xmlns:r="http://schemas.openxmlformats.org/officeDocument/2006/relationships" xmlns:p="http://schemas.openxmlformats.org/presentationml/2006/main">
   <p:cSld>
     <p:spTree>
@@ -6424,6 +6648,14 @@
                 </a:rPr>
                 <a:t>用户</a:t>
               </a:r>
+              <a:endParaRPr lang="zh-CN" altLang="en-US">
+                <a:solidFill>
+                  <a:schemeClr val="tx1">
+                    <a:lumMod val="95000"/>
+                    <a:lumOff val="5000"/>
+                  </a:schemeClr>
+                </a:solidFill>
+              </a:endParaRPr>
             </a:p>
           </p:txBody>
         </p:sp>
@@ -6497,6 +6729,7 @@
               <a:rPr lang="zh-CN" altLang="en-US" sz="2400"/>
               <a:t>包图</a:t>
             </a:r>
+            <a:endParaRPr lang="zh-CN" altLang="en-US" sz="2400"/>
           </a:p>
         </p:txBody>
       </p:sp>
@@ -6571,6 +6804,14 @@
                 </a:rPr>
                 <a:t>自习系统</a:t>
               </a:r>
+              <a:endParaRPr lang="zh-CN" altLang="en-US">
+                <a:solidFill>
+                  <a:schemeClr val="tx1">
+                    <a:lumMod val="95000"/>
+                    <a:lumOff val="5000"/>
+                  </a:schemeClr>
+                </a:solidFill>
+              </a:endParaRPr>
             </a:p>
           </p:txBody>
         </p:sp>
@@ -6689,6 +6930,14 @@
                 </a:rPr>
                 <a:t>楼</a:t>
               </a:r>
+              <a:endParaRPr lang="zh-CN" altLang="en-US">
+                <a:solidFill>
+                  <a:schemeClr val="tx1">
+                    <a:lumMod val="95000"/>
+                    <a:lumOff val="5000"/>
+                  </a:schemeClr>
+                </a:solidFill>
+              </a:endParaRPr>
             </a:p>
           </p:txBody>
         </p:sp>
@@ -6807,6 +7056,14 @@
                 </a:rPr>
                 <a:t>教室</a:t>
               </a:r>
+              <a:endParaRPr lang="zh-CN" altLang="en-US">
+                <a:solidFill>
+                  <a:schemeClr val="tx1">
+                    <a:lumMod val="95000"/>
+                    <a:lumOff val="5000"/>
+                  </a:schemeClr>
+                </a:solidFill>
+              </a:endParaRPr>
             </a:p>
           </p:txBody>
         </p:sp>
@@ -6925,6 +7182,14 @@
                 </a:rPr>
                 <a:t>座位</a:t>
               </a:r>
+              <a:endParaRPr lang="zh-CN" altLang="en-US">
+                <a:solidFill>
+                  <a:schemeClr val="tx1">
+                    <a:lumMod val="95000"/>
+                    <a:lumOff val="5000"/>
+                  </a:schemeClr>
+                </a:solidFill>
+              </a:endParaRPr>
             </a:p>
           </p:txBody>
         </p:sp>
@@ -7043,6 +7308,14 @@
                 </a:rPr>
                 <a:t>讨论板</a:t>
               </a:r>
+              <a:endParaRPr lang="zh-CN" altLang="en-US">
+                <a:solidFill>
+                  <a:schemeClr val="tx1">
+                    <a:lumMod val="95000"/>
+                    <a:lumOff val="5000"/>
+                  </a:schemeClr>
+                </a:solidFill>
+              </a:endParaRPr>
             </a:p>
           </p:txBody>
         </p:sp>
@@ -7161,6 +7434,14 @@
                 </a:rPr>
                 <a:t>学习计划</a:t>
               </a:r>
+              <a:endParaRPr lang="zh-CN" altLang="en-US">
+                <a:solidFill>
+                  <a:schemeClr val="tx1">
+                    <a:lumMod val="95000"/>
+                    <a:lumOff val="5000"/>
+                  </a:schemeClr>
+                </a:solidFill>
+              </a:endParaRPr>
             </a:p>
           </p:txBody>
         </p:sp>
@@ -7272,6 +7553,7 @@
               <a:rPr lang="en-US"/>
               <a:t>&lt;&lt;import&gt;&gt;</a:t>
             </a:r>
+            <a:endParaRPr lang="en-US"/>
           </a:p>
         </p:txBody>
       </p:sp>
@@ -7342,6 +7624,7 @@
               <a:rPr lang="en-US"/>
               <a:t>&lt;&lt;import&gt;&gt;</a:t>
             </a:r>
+            <a:endParaRPr lang="en-US"/>
           </a:p>
         </p:txBody>
       </p:sp>
@@ -7371,6 +7654,7 @@
               <a:rPr lang="en-US"/>
               <a:t>&lt;&lt;import&gt;&gt;</a:t>
             </a:r>
+            <a:endParaRPr lang="en-US"/>
           </a:p>
         </p:txBody>
       </p:sp>
@@ -7479,6 +7763,7 @@
               <a:rPr lang="en-US"/>
               <a:t>&lt;&lt;import&gt;&gt;</a:t>
             </a:r>
+            <a:endParaRPr lang="en-US"/>
           </a:p>
         </p:txBody>
       </p:sp>
@@ -7549,6 +7834,7 @@
               <a:rPr lang="en-US"/>
               <a:t>&lt;&lt;import&gt;&gt;</a:t>
             </a:r>
+            <a:endParaRPr lang="en-US"/>
           </a:p>
         </p:txBody>
       </p:sp>
@@ -7776,6 +8062,7 @@
               <a:rPr lang="en-US"/>
               <a:t>&lt;&lt;merge&gt;&gt;</a:t>
             </a:r>
+            <a:endParaRPr lang="en-US"/>
           </a:p>
         </p:txBody>
       </p:sp>
@@ -7787,7 +8074,7 @@
 </p:sld>
 </file>
 
-<file path=ppt/slides/slide5.xml><?xml version="1.0" encoding="utf-8"?>
+<file path=ppt/slides/slide6.xml><?xml version="1.0" encoding="utf-8"?>
 <p:sld xmlns:a="http://schemas.openxmlformats.org/drawingml/2006/main" xmlns:r="http://schemas.openxmlformats.org/officeDocument/2006/relationships" xmlns:p="http://schemas.openxmlformats.org/presentationml/2006/main">
   <p:cSld>
     <p:spTree>
@@ -7806,13 +8093,7 @@
       </p:grpSpPr>
       <p:sp>
         <p:nvSpPr>
-          <p:cNvPr id="49" name="矩形 48">
-            <a:extLst>
-              <a:ext uri="{FF2B5EF4-FFF2-40B4-BE49-F238E27FC236}">
-                <a16:creationId xmlns:a16="http://schemas.microsoft.com/office/drawing/2014/main" id="{3C53C1EB-A404-5ECD-FF86-617F646700DF}"/>
-              </a:ext>
-            </a:extLst>
-          </p:cNvPr>
+          <p:cNvPr id="49" name="矩形 48"/>
           <p:cNvSpPr/>
           <p:nvPr/>
         </p:nvSpPr>
@@ -7860,13 +8141,7 @@
       </p:sp>
       <p:sp>
         <p:nvSpPr>
-          <p:cNvPr id="44" name="矩形 43">
-            <a:extLst>
-              <a:ext uri="{FF2B5EF4-FFF2-40B4-BE49-F238E27FC236}">
-                <a16:creationId xmlns:a16="http://schemas.microsoft.com/office/drawing/2014/main" id="{BFBE5702-65C6-A50B-2AF9-FC49B08F5FF2}"/>
-              </a:ext>
-            </a:extLst>
-          </p:cNvPr>
+          <p:cNvPr id="44" name="矩形 43"/>
           <p:cNvSpPr/>
           <p:nvPr/>
         </p:nvSpPr>
@@ -7914,13 +8189,7 @@
       </p:sp>
       <p:sp>
         <p:nvSpPr>
-          <p:cNvPr id="43" name="矩形 42">
-            <a:extLst>
-              <a:ext uri="{FF2B5EF4-FFF2-40B4-BE49-F238E27FC236}">
-                <a16:creationId xmlns:a16="http://schemas.microsoft.com/office/drawing/2014/main" id="{E0082EA7-CBE3-B58D-2300-FCE00B0ADA83}"/>
-              </a:ext>
-            </a:extLst>
-          </p:cNvPr>
+          <p:cNvPr id="43" name="矩形 42"/>
           <p:cNvSpPr/>
           <p:nvPr/>
         </p:nvSpPr>
@@ -7992,18 +8261,13 @@
               <a:rPr lang="zh-CN" altLang="en-US" sz="2400"/>
               <a:t>人机交互部分</a:t>
             </a:r>
+            <a:endParaRPr lang="zh-CN" altLang="en-US" sz="2400"/>
           </a:p>
         </p:txBody>
       </p:sp>
       <p:grpSp>
         <p:nvGrpSpPr>
-          <p:cNvPr id="2" name="组合 1">
-            <a:extLst>
-              <a:ext uri="{FF2B5EF4-FFF2-40B4-BE49-F238E27FC236}">
-                <a16:creationId xmlns:a16="http://schemas.microsoft.com/office/drawing/2014/main" id="{C2BD57A8-BC28-3F3A-48E2-02DCCB802D0F}"/>
-              </a:ext>
-            </a:extLst>
-          </p:cNvPr>
+          <p:cNvPr id="2" name="组合 1"/>
           <p:cNvGrpSpPr/>
           <p:nvPr/>
         </p:nvGrpSpPr>
@@ -8055,6 +8319,7 @@
                 <a:rPr lang="zh-CN" sz="1100"/>
                 <a:t>楼</a:t>
               </a:r>
+              <a:endParaRPr lang="zh-CN" sz="1100"/>
             </a:p>
             <a:p>
               <a:pPr algn="ctr"/>
@@ -8062,6 +8327,7 @@
                 <a:rPr lang="en-US" altLang="zh-CN" sz="1100"/>
                 <a:t>——————</a:t>
               </a:r>
+              <a:endParaRPr lang="en-US" altLang="zh-CN" sz="1100"/>
             </a:p>
             <a:p>
               <a:pPr algn="ctr"/>
@@ -8069,6 +8335,7 @@
                 <a:rPr lang="zh-CN" altLang="en-US" sz="1100"/>
                 <a:t>楼号</a:t>
               </a:r>
+              <a:endParaRPr lang="zh-CN" altLang="en-US" sz="1100"/>
             </a:p>
             <a:p>
               <a:pPr algn="ctr"/>
@@ -8076,6 +8343,7 @@
                 <a:rPr lang="zh-CN" altLang="en-US" sz="1100"/>
                 <a:t>楼名称</a:t>
               </a:r>
+              <a:endParaRPr lang="zh-CN" altLang="en-US" sz="1100"/>
             </a:p>
             <a:p>
               <a:pPr algn="ctr"/>
@@ -8083,6 +8351,7 @@
                 <a:rPr lang="en-US" altLang="zh-CN" sz="1100"/>
                 <a:t>——————</a:t>
               </a:r>
+              <a:endParaRPr lang="en-US" altLang="zh-CN" sz="1100"/>
             </a:p>
             <a:p>
               <a:pPr algn="ctr"/>
@@ -8090,6 +8359,7 @@
                 <a:rPr lang="zh-CN" altLang="en-US" sz="1100"/>
                 <a:t>进入楼</a:t>
               </a:r>
+              <a:endParaRPr lang="zh-CN" altLang="en-US" sz="1100"/>
             </a:p>
             <a:p>
               <a:pPr algn="ctr"/>
@@ -8097,6 +8367,7 @@
                 <a:rPr lang="zh-CN" altLang="en-US" sz="1100"/>
                 <a:t>离开楼</a:t>
               </a:r>
+              <a:endParaRPr lang="zh-CN" altLang="en-US" sz="1100"/>
             </a:p>
           </p:txBody>
         </p:sp>
@@ -8140,6 +8411,7 @@
                 <a:rPr lang="zh-CN" sz="1100"/>
                 <a:t>教室</a:t>
               </a:r>
+              <a:endParaRPr lang="zh-CN" sz="1100"/>
             </a:p>
             <a:p>
               <a:pPr algn="ctr"/>
@@ -8147,6 +8419,7 @@
                 <a:rPr lang="en-US" altLang="zh-CN" sz="1100"/>
                 <a:t>——————</a:t>
               </a:r>
+              <a:endParaRPr lang="en-US" altLang="zh-CN" sz="1100"/>
             </a:p>
             <a:p>
               <a:pPr algn="ctr"/>
@@ -8154,6 +8427,7 @@
                 <a:rPr lang="zh-CN" altLang="en-US" sz="1100"/>
                 <a:t>教室号</a:t>
               </a:r>
+              <a:endParaRPr lang="zh-CN" altLang="en-US" sz="1100"/>
             </a:p>
             <a:p>
               <a:pPr algn="ctr"/>
@@ -8167,6 +8441,7 @@
                 <a:rPr lang="zh-CN" altLang="en-US" sz="1100"/>
                 <a:t>名称</a:t>
               </a:r>
+              <a:endParaRPr lang="zh-CN" altLang="en-US" sz="1100"/>
             </a:p>
             <a:p>
               <a:pPr algn="ctr"/>
@@ -8174,6 +8449,7 @@
                 <a:rPr lang="en-US" altLang="zh-CN" sz="1100"/>
                 <a:t>——————</a:t>
               </a:r>
+              <a:endParaRPr lang="en-US" altLang="zh-CN" sz="1100"/>
             </a:p>
             <a:p>
               <a:pPr algn="ctr"/>
@@ -8201,6 +8477,9 @@
                 </a:rPr>
                 <a:t>教室</a:t>
               </a:r>
+              <a:endParaRPr lang="zh-CN" altLang="en-US" sz="1100">
+                <a:sym typeface="+mn-ea"/>
+              </a:endParaRPr>
             </a:p>
             <a:p>
               <a:pPr algn="ctr"/>
@@ -8208,6 +8487,7 @@
                 <a:rPr lang="zh-CN" altLang="en-US" sz="1100"/>
                 <a:t>进入讨论板</a:t>
               </a:r>
+              <a:endParaRPr lang="zh-CN" altLang="en-US" sz="1100"/>
             </a:p>
           </p:txBody>
         </p:sp>
@@ -8251,6 +8531,7 @@
                 <a:rPr lang="zh-CN" sz="1100"/>
                 <a:t>座位</a:t>
               </a:r>
+              <a:endParaRPr lang="zh-CN" sz="1100"/>
             </a:p>
             <a:p>
               <a:pPr algn="ctr"/>
@@ -8258,6 +8539,7 @@
                 <a:rPr lang="en-US" altLang="zh-CN" sz="1100"/>
                 <a:t>——————</a:t>
               </a:r>
+              <a:endParaRPr lang="en-US" altLang="zh-CN" sz="1100"/>
             </a:p>
             <a:p>
               <a:pPr algn="ctr"/>
@@ -8265,6 +8547,7 @@
                 <a:rPr lang="zh-CN" altLang="en-US" sz="1100"/>
                 <a:t>座位号</a:t>
               </a:r>
+              <a:endParaRPr lang="zh-CN" altLang="en-US" sz="1100"/>
             </a:p>
             <a:p>
               <a:pPr algn="ctr"/>
@@ -8276,6 +8559,7 @@
                 <a:rPr lang="en-US" altLang="zh-CN" sz="1100"/>
                 <a:t>——————</a:t>
               </a:r>
+              <a:endParaRPr lang="en-US" altLang="zh-CN" sz="1100"/>
             </a:p>
             <a:p>
               <a:pPr algn="ctr"/>
@@ -8283,6 +8567,7 @@
                 <a:rPr lang="zh-CN" altLang="en-US" sz="1100"/>
                 <a:t>座位入座</a:t>
               </a:r>
+              <a:endParaRPr lang="zh-CN" altLang="en-US" sz="1100"/>
             </a:p>
             <a:p>
               <a:pPr algn="ctr"/>
@@ -8340,6 +8625,7 @@
                 <a:rPr lang="zh-CN" sz="1100"/>
                 <a:t>学习计划</a:t>
               </a:r>
+              <a:endParaRPr lang="zh-CN" sz="1100"/>
             </a:p>
             <a:p>
               <a:pPr algn="ctr"/>
@@ -8347,6 +8633,7 @@
                 <a:rPr lang="en-US" altLang="zh-CN" sz="1100"/>
                 <a:t>————————</a:t>
               </a:r>
+              <a:endParaRPr lang="en-US" altLang="zh-CN" sz="1100"/>
             </a:p>
             <a:p>
               <a:pPr algn="ctr"/>
@@ -8354,6 +8641,7 @@
                 <a:rPr lang="zh-CN" altLang="en-US" sz="1100"/>
                 <a:t>自习时间</a:t>
               </a:r>
+              <a:endParaRPr lang="zh-CN" altLang="en-US" sz="1100"/>
             </a:p>
             <a:p>
               <a:pPr algn="ctr"/>
@@ -8361,6 +8649,7 @@
                 <a:rPr lang="zh-CN" altLang="en-US" sz="1100"/>
                 <a:t>休息时间</a:t>
               </a:r>
+              <a:endParaRPr lang="zh-CN" altLang="en-US" sz="1100"/>
             </a:p>
             <a:p>
               <a:pPr algn="ctr"/>
@@ -8368,6 +8657,7 @@
                 <a:rPr lang="zh-CN" altLang="en-US" sz="1100"/>
                 <a:t>周期数</a:t>
               </a:r>
+              <a:endParaRPr lang="zh-CN" altLang="en-US" sz="1100"/>
             </a:p>
             <a:p>
               <a:pPr algn="ctr"/>
@@ -8375,6 +8665,7 @@
                 <a:rPr lang="en-US" altLang="zh-CN" sz="1100"/>
                 <a:t>—————————</a:t>
               </a:r>
+              <a:endParaRPr lang="en-US" altLang="zh-CN" sz="1100"/>
             </a:p>
             <a:p>
               <a:pPr algn="ctr"/>
@@ -8382,6 +8673,7 @@
                 <a:rPr lang="zh-CN" altLang="en-US" sz="1100"/>
                 <a:t>设置计划信息</a:t>
               </a:r>
+              <a:endParaRPr lang="zh-CN" altLang="en-US" sz="1100"/>
             </a:p>
             <a:p>
               <a:pPr algn="ctr"/>
@@ -8389,6 +8681,7 @@
                 <a:rPr lang="zh-CN" altLang="en-US" sz="1100"/>
                 <a:t>开始自习</a:t>
               </a:r>
+              <a:endParaRPr lang="zh-CN" altLang="en-US" sz="1100"/>
             </a:p>
             <a:p>
               <a:pPr algn="ctr"/>
@@ -8396,6 +8689,7 @@
                 <a:rPr lang="zh-CN" altLang="en-US" sz="1100"/>
                 <a:t>结束自习</a:t>
               </a:r>
+              <a:endParaRPr lang="zh-CN" altLang="en-US" sz="1100"/>
             </a:p>
           </p:txBody>
         </p:sp>
@@ -8439,6 +8733,7 @@
                 <a:rPr lang="zh-CN" sz="1100"/>
                 <a:t>讨论板</a:t>
               </a:r>
+              <a:endParaRPr lang="zh-CN" sz="1100"/>
             </a:p>
             <a:p>
               <a:pPr algn="ctr"/>
@@ -8446,6 +8741,7 @@
                 <a:rPr lang="en-US" altLang="zh-CN" sz="1100"/>
                 <a:t>——————</a:t>
               </a:r>
+              <a:endParaRPr lang="en-US" altLang="zh-CN" sz="1100"/>
             </a:p>
             <a:p>
               <a:pPr algn="ctr"/>
@@ -8453,6 +8749,7 @@
                 <a:rPr lang="zh-CN" altLang="en-US" sz="1100"/>
                 <a:t>讨论板号</a:t>
               </a:r>
+              <a:endParaRPr lang="zh-CN" altLang="en-US" sz="1100"/>
             </a:p>
             <a:p>
               <a:pPr algn="ctr"/>
@@ -8460,6 +8757,7 @@
                 <a:rPr lang="en-US" altLang="zh-CN" sz="1100"/>
                 <a:t>——————</a:t>
               </a:r>
+              <a:endParaRPr lang="en-US" altLang="zh-CN" sz="1100"/>
             </a:p>
             <a:p>
               <a:pPr algn="ctr"/>
@@ -8467,6 +8765,7 @@
                 <a:rPr lang="zh-CN" altLang="en-US" sz="1100"/>
                 <a:t>搜索问题</a:t>
               </a:r>
+              <a:endParaRPr lang="zh-CN" altLang="en-US" sz="1100"/>
             </a:p>
             <a:p>
               <a:pPr algn="ctr"/>
@@ -8474,6 +8773,7 @@
                 <a:rPr lang="zh-CN" altLang="en-US" sz="1100"/>
                 <a:t>查看问题</a:t>
               </a:r>
+              <a:endParaRPr lang="zh-CN" altLang="en-US" sz="1100"/>
             </a:p>
             <a:p>
               <a:pPr algn="ctr"/>
@@ -8481,6 +8781,7 @@
                 <a:rPr lang="zh-CN" altLang="en-US" sz="1100"/>
                 <a:t>发布问题</a:t>
               </a:r>
+              <a:endParaRPr lang="zh-CN" altLang="en-US" sz="1100"/>
             </a:p>
             <a:p>
               <a:pPr algn="ctr"/>
@@ -8488,6 +8789,7 @@
                 <a:rPr lang="zh-CN" altLang="en-US" sz="1100"/>
                 <a:t>回答问题</a:t>
               </a:r>
+              <a:endParaRPr lang="zh-CN" altLang="en-US" sz="1100"/>
             </a:p>
           </p:txBody>
         </p:sp>
@@ -8795,6 +9097,7 @@
                 <a:rPr lang="zh-CN" sz="1100"/>
                 <a:t>用户</a:t>
               </a:r>
+              <a:endParaRPr lang="zh-CN" sz="1100"/>
             </a:p>
             <a:p>
               <a:pPr algn="ctr"/>
@@ -8802,6 +9105,7 @@
                 <a:rPr lang="en-US" altLang="zh-CN" sz="1100"/>
                 <a:t>——————</a:t>
               </a:r>
+              <a:endParaRPr lang="en-US" altLang="zh-CN" sz="1100"/>
             </a:p>
             <a:p>
               <a:pPr algn="ctr"/>
@@ -8809,6 +9113,7 @@
                 <a:rPr lang="zh-CN" altLang="en-US" sz="1100"/>
                 <a:t>用户号</a:t>
               </a:r>
+              <a:endParaRPr lang="zh-CN" altLang="en-US" sz="1100"/>
             </a:p>
             <a:p>
               <a:pPr algn="ctr"/>
@@ -8816,6 +9121,7 @@
                 <a:rPr lang="zh-CN" altLang="en-US" sz="1100"/>
                 <a:t>用户名称</a:t>
               </a:r>
+              <a:endParaRPr lang="zh-CN" altLang="en-US" sz="1100"/>
             </a:p>
             <a:p>
               <a:pPr algn="ctr"/>
@@ -8823,6 +9129,7 @@
                 <a:rPr lang="en-US" altLang="zh-CN" sz="1100"/>
                 <a:t>——————</a:t>
               </a:r>
+              <a:endParaRPr lang="en-US" altLang="zh-CN" sz="1100"/>
             </a:p>
             <a:p>
               <a:pPr algn="ctr"/>
@@ -8830,6 +9137,7 @@
                 <a:rPr lang="zh-CN" altLang="en-US" sz="1100"/>
                 <a:t>退出登录</a:t>
               </a:r>
+              <a:endParaRPr lang="zh-CN" altLang="en-US" sz="1100"/>
             </a:p>
           </p:txBody>
         </p:sp>
@@ -9072,13 +9380,7 @@
       </p:grpSp>
       <p:sp>
         <p:nvSpPr>
-          <p:cNvPr id="3" name="Rectangles 3">
-            <a:extLst>
-              <a:ext uri="{FF2B5EF4-FFF2-40B4-BE49-F238E27FC236}">
-                <a16:creationId xmlns:a16="http://schemas.microsoft.com/office/drawing/2014/main" id="{488FB045-2879-A206-CD1C-C7771DC1A473}"/>
-              </a:ext>
-            </a:extLst>
-          </p:cNvPr>
+          <p:cNvPr id="3" name="Rectangles 3"/>
           <p:cNvSpPr/>
           <p:nvPr/>
         </p:nvSpPr>
@@ -9128,6 +9430,7 @@
               <a:rPr lang="en-US" altLang="zh-CN" sz="1100"/>
               <a:t>——————</a:t>
             </a:r>
+            <a:endParaRPr lang="en-US" altLang="zh-CN" sz="1100"/>
           </a:p>
           <a:p>
             <a:pPr algn="ctr"/>
@@ -9135,6 +9438,7 @@
               <a:rPr lang="zh-CN" altLang="en-US" sz="1100"/>
               <a:t>楼名称</a:t>
             </a:r>
+            <a:endParaRPr lang="zh-CN" altLang="en-US" sz="1100"/>
           </a:p>
           <a:p>
             <a:pPr algn="ctr"/>
@@ -9150,18 +9454,13 @@
               <a:rPr lang="zh-CN" altLang="en-US" sz="1100"/>
               <a:t>离开楼</a:t>
             </a:r>
+            <a:endParaRPr lang="zh-CN" altLang="en-US" sz="1100"/>
           </a:p>
         </p:txBody>
       </p:sp>
       <p:sp>
         <p:nvSpPr>
-          <p:cNvPr id="10" name="Rectangles 3">
-            <a:extLst>
-              <a:ext uri="{FF2B5EF4-FFF2-40B4-BE49-F238E27FC236}">
-                <a16:creationId xmlns:a16="http://schemas.microsoft.com/office/drawing/2014/main" id="{E90B939D-96D1-BB65-2EC2-AD1F8CCC3626}"/>
-              </a:ext>
-            </a:extLst>
-          </p:cNvPr>
+          <p:cNvPr id="10" name="Rectangles 3"/>
           <p:cNvSpPr/>
           <p:nvPr/>
         </p:nvSpPr>
@@ -9215,6 +9514,7 @@
               <a:rPr lang="zh-CN" altLang="en-US" sz="1100"/>
               <a:t>教室名称</a:t>
             </a:r>
+            <a:endParaRPr lang="zh-CN" altLang="en-US" sz="1100"/>
           </a:p>
           <a:p>
             <a:pPr algn="ctr"/>
@@ -9222,6 +9522,7 @@
               <a:rPr lang="en-US" altLang="zh-CN" sz="1100"/>
               <a:t>——————</a:t>
             </a:r>
+            <a:endParaRPr lang="en-US" altLang="zh-CN" sz="1100"/>
           </a:p>
           <a:p>
             <a:pPr algn="ctr"/>
@@ -9249,6 +9550,9 @@
               </a:rPr>
               <a:t>教室</a:t>
             </a:r>
+            <a:endParaRPr lang="zh-CN" altLang="en-US" sz="1100">
+              <a:sym typeface="+mn-ea"/>
+            </a:endParaRPr>
           </a:p>
           <a:p>
             <a:pPr algn="ctr"/>
@@ -9256,18 +9560,13 @@
               <a:rPr lang="zh-CN" altLang="en-US" sz="1100"/>
               <a:t>进入讨论板</a:t>
             </a:r>
+            <a:endParaRPr lang="zh-CN" altLang="en-US" sz="1100"/>
           </a:p>
         </p:txBody>
       </p:sp>
       <p:sp>
         <p:nvSpPr>
-          <p:cNvPr id="19" name="Rectangles 3">
-            <a:extLst>
-              <a:ext uri="{FF2B5EF4-FFF2-40B4-BE49-F238E27FC236}">
-                <a16:creationId xmlns:a16="http://schemas.microsoft.com/office/drawing/2014/main" id="{539CC62E-25BA-6ED6-6593-02BD57142D65}"/>
-              </a:ext>
-            </a:extLst>
-          </p:cNvPr>
+          <p:cNvPr id="19" name="Rectangles 3"/>
           <p:cNvSpPr/>
           <p:nvPr/>
         </p:nvSpPr>
@@ -9313,6 +9612,7 @@
               <a:rPr lang="en-US" altLang="zh-CN" sz="1100"/>
               <a:t>——————</a:t>
             </a:r>
+            <a:endParaRPr lang="en-US" altLang="zh-CN" sz="1100"/>
           </a:p>
           <a:p>
             <a:pPr algn="ctr"/>
@@ -9320,6 +9620,7 @@
               <a:rPr lang="zh-CN" altLang="en-US" sz="1100"/>
               <a:t>座位号</a:t>
             </a:r>
+            <a:endParaRPr lang="zh-CN" altLang="en-US" sz="1100"/>
           </a:p>
           <a:p>
             <a:pPr algn="ctr"/>
@@ -9327,6 +9628,7 @@
               <a:rPr lang="en-US" altLang="zh-CN" sz="1100"/>
               <a:t>——————</a:t>
             </a:r>
+            <a:endParaRPr lang="en-US" altLang="zh-CN" sz="1100"/>
           </a:p>
           <a:p>
             <a:pPr algn="ctr"/>
@@ -9346,13 +9648,7 @@
       </p:sp>
       <p:sp>
         <p:nvSpPr>
-          <p:cNvPr id="20" name="Rectangles 3">
-            <a:extLst>
-              <a:ext uri="{FF2B5EF4-FFF2-40B4-BE49-F238E27FC236}">
-                <a16:creationId xmlns:a16="http://schemas.microsoft.com/office/drawing/2014/main" id="{CCCC31E5-E66B-2EBB-0E6B-4850E3E62303}"/>
-              </a:ext>
-            </a:extLst>
-          </p:cNvPr>
+          <p:cNvPr id="20" name="Rectangles 3"/>
           <p:cNvSpPr/>
           <p:nvPr/>
         </p:nvSpPr>
@@ -9398,6 +9694,7 @@
               <a:rPr lang="en-US" altLang="zh-CN" sz="1100"/>
               <a:t>——————</a:t>
             </a:r>
+            <a:endParaRPr lang="en-US" altLang="zh-CN" sz="1100"/>
           </a:p>
           <a:p>
             <a:pPr algn="ctr"/>
@@ -9429,6 +9726,7 @@
               <a:rPr lang="en-US" altLang="zh-CN" sz="1100"/>
               <a:t>——————</a:t>
             </a:r>
+            <a:endParaRPr lang="en-US" altLang="zh-CN" sz="1100"/>
           </a:p>
           <a:p>
             <a:pPr algn="ctr"/>
@@ -9436,6 +9734,7 @@
               <a:rPr lang="zh-CN" altLang="en-US" sz="1100"/>
               <a:t>设置计划信息</a:t>
             </a:r>
+            <a:endParaRPr lang="zh-CN" altLang="en-US" sz="1100"/>
           </a:p>
           <a:p>
             <a:pPr algn="ctr"/>
@@ -9443,6 +9742,7 @@
               <a:rPr lang="zh-CN" altLang="en-US" sz="1100"/>
               <a:t>开始自习</a:t>
             </a:r>
+            <a:endParaRPr lang="zh-CN" altLang="en-US" sz="1100"/>
           </a:p>
           <a:p>
             <a:pPr algn="ctr"/>
@@ -9450,18 +9750,13 @@
               <a:rPr lang="zh-CN" altLang="en-US" sz="1100"/>
               <a:t>结束自习</a:t>
             </a:r>
+            <a:endParaRPr lang="zh-CN" altLang="en-US" sz="1100"/>
           </a:p>
         </p:txBody>
       </p:sp>
       <p:sp>
         <p:nvSpPr>
-          <p:cNvPr id="21" name="Rectangles 3">
-            <a:extLst>
-              <a:ext uri="{FF2B5EF4-FFF2-40B4-BE49-F238E27FC236}">
-                <a16:creationId xmlns:a16="http://schemas.microsoft.com/office/drawing/2014/main" id="{B3EA2B5A-F290-3332-12F9-ABD34DE9F47C}"/>
-              </a:ext>
-            </a:extLst>
-          </p:cNvPr>
+          <p:cNvPr id="21" name="Rectangles 3"/>
           <p:cNvSpPr/>
           <p:nvPr/>
         </p:nvSpPr>
@@ -9507,6 +9802,7 @@
               <a:rPr lang="en-US" altLang="zh-CN" sz="1100"/>
               <a:t>——————</a:t>
             </a:r>
+            <a:endParaRPr lang="en-US" altLang="zh-CN" sz="1100"/>
           </a:p>
           <a:p>
             <a:pPr algn="ctr"/>
@@ -9514,6 +9810,7 @@
               <a:rPr lang="zh-CN" altLang="en-US" sz="1100"/>
               <a:t>楼号</a:t>
             </a:r>
+            <a:endParaRPr lang="zh-CN" altLang="en-US" sz="1100"/>
           </a:p>
           <a:p>
             <a:pPr algn="ctr"/>
@@ -9521,6 +9818,7 @@
               <a:rPr lang="zh-CN" altLang="en-US" sz="1100"/>
               <a:t>楼名称</a:t>
             </a:r>
+            <a:endParaRPr lang="zh-CN" altLang="en-US" sz="1100"/>
           </a:p>
           <a:p>
             <a:pPr algn="ctr"/>
@@ -9528,6 +9826,7 @@
               <a:rPr lang="en-US" altLang="zh-CN" sz="1100"/>
               <a:t>——————</a:t>
             </a:r>
+            <a:endParaRPr lang="en-US" altLang="zh-CN" sz="1100"/>
           </a:p>
           <a:p>
             <a:pPr algn="ctr"/>
@@ -9535,20 +9834,14 @@
               <a:rPr lang="zh-CN" altLang="en-US" sz="1100"/>
               <a:t>离开讨论板</a:t>
             </a:r>
+            <a:endParaRPr lang="zh-CN" altLang="en-US" sz="1100"/>
           </a:p>
         </p:txBody>
       </p:sp>
       <p:cxnSp>
         <p:nvCxnSpPr>
-          <p:cNvPr id="29" name="Straight Arrow Connector 22">
-            <a:extLst>
-              <a:ext uri="{FF2B5EF4-FFF2-40B4-BE49-F238E27FC236}">
-                <a16:creationId xmlns:a16="http://schemas.microsoft.com/office/drawing/2014/main" id="{23082550-ED32-5A6A-BAE1-1343BCD17030}"/>
-              </a:ext>
-            </a:extLst>
-          </p:cNvPr>
+          <p:cNvPr id="29" name="Straight Arrow Connector 22"/>
           <p:cNvCxnSpPr>
-            <a:cxnSpLocks/>
             <a:stCxn id="3" idx="2"/>
             <a:endCxn id="4" idx="0"/>
           </p:cNvCxnSpPr>
@@ -9588,16 +9881,8 @@
       </p:cxnSp>
       <p:cxnSp>
         <p:nvCxnSpPr>
-          <p:cNvPr id="35" name="Straight Arrow Connector 22">
-            <a:extLst>
-              <a:ext uri="{FF2B5EF4-FFF2-40B4-BE49-F238E27FC236}">
-                <a16:creationId xmlns:a16="http://schemas.microsoft.com/office/drawing/2014/main" id="{F2475247-0D59-CC93-11F3-569DC2BD45E9}"/>
-              </a:ext>
-            </a:extLst>
-          </p:cNvPr>
-          <p:cNvCxnSpPr>
-            <a:cxnSpLocks/>
-          </p:cNvCxnSpPr>
+          <p:cNvPr id="35" name="Straight Arrow Connector 22"/>
+          <p:cNvCxnSpPr/>
           <p:nvPr/>
         </p:nvCxnSpPr>
         <p:spPr>
@@ -9634,15 +9919,8 @@
       </p:cxnSp>
       <p:cxnSp>
         <p:nvCxnSpPr>
-          <p:cNvPr id="36" name="Straight Arrow Connector 22">
-            <a:extLst>
-              <a:ext uri="{FF2B5EF4-FFF2-40B4-BE49-F238E27FC236}">
-                <a16:creationId xmlns:a16="http://schemas.microsoft.com/office/drawing/2014/main" id="{4C085770-9723-5BFD-1F6B-AE04F8973041}"/>
-              </a:ext>
-            </a:extLst>
-          </p:cNvPr>
+          <p:cNvPr id="36" name="Straight Arrow Connector 22"/>
           <p:cNvCxnSpPr>
-            <a:cxnSpLocks/>
             <a:stCxn id="19" idx="2"/>
           </p:cNvCxnSpPr>
           <p:nvPr/>
@@ -9681,15 +9959,8 @@
       </p:cxnSp>
       <p:cxnSp>
         <p:nvCxnSpPr>
-          <p:cNvPr id="38" name="Straight Arrow Connector 22">
-            <a:extLst>
-              <a:ext uri="{FF2B5EF4-FFF2-40B4-BE49-F238E27FC236}">
-                <a16:creationId xmlns:a16="http://schemas.microsoft.com/office/drawing/2014/main" id="{94F846B2-455F-2681-5715-D1964CC7DDEE}"/>
-              </a:ext>
-            </a:extLst>
-          </p:cNvPr>
+          <p:cNvPr id="38" name="Straight Arrow Connector 22"/>
           <p:cNvCxnSpPr>
-            <a:cxnSpLocks/>
             <a:stCxn id="20" idx="2"/>
           </p:cNvCxnSpPr>
           <p:nvPr/>
@@ -9728,15 +9999,8 @@
       </p:cxnSp>
       <p:cxnSp>
         <p:nvCxnSpPr>
-          <p:cNvPr id="40" name="Straight Arrow Connector 22">
-            <a:extLst>
-              <a:ext uri="{FF2B5EF4-FFF2-40B4-BE49-F238E27FC236}">
-                <a16:creationId xmlns:a16="http://schemas.microsoft.com/office/drawing/2014/main" id="{8EA3F7E5-2F64-5D2D-C54C-B095D6545AF5}"/>
-              </a:ext>
-            </a:extLst>
-          </p:cNvPr>
+          <p:cNvPr id="40" name="Straight Arrow Connector 22"/>
           <p:cNvCxnSpPr>
-            <a:cxnSpLocks/>
             <a:stCxn id="21" idx="3"/>
             <a:endCxn id="8" idx="1"/>
           </p:cNvCxnSpPr>
@@ -9776,13 +10040,7 @@
       </p:cxnSp>
       <p:sp>
         <p:nvSpPr>
-          <p:cNvPr id="45" name="Rectangles 3">
-            <a:extLst>
-              <a:ext uri="{FF2B5EF4-FFF2-40B4-BE49-F238E27FC236}">
-                <a16:creationId xmlns:a16="http://schemas.microsoft.com/office/drawing/2014/main" id="{EAF57833-459A-197B-E8C5-E99A07050CD1}"/>
-              </a:ext>
-            </a:extLst>
-          </p:cNvPr>
+          <p:cNvPr id="45" name="Rectangles 3"/>
           <p:cNvSpPr/>
           <p:nvPr/>
         </p:nvSpPr>
@@ -9828,6 +10086,7 @@
               <a:rPr lang="en-US" altLang="zh-CN" sz="1100"/>
               <a:t>——————</a:t>
             </a:r>
+            <a:endParaRPr lang="en-US" altLang="zh-CN" sz="1100"/>
           </a:p>
           <a:p>
             <a:pPr algn="ctr"/>
@@ -9839,6 +10098,7 @@
               <a:rPr lang="en-US" altLang="zh-CN" sz="1100"/>
               <a:t>——————</a:t>
             </a:r>
+            <a:endParaRPr lang="en-US" altLang="zh-CN" sz="1100"/>
           </a:p>
           <a:p>
             <a:pPr algn="ctr"/>
@@ -9846,20 +10106,14 @@
               <a:rPr lang="zh-CN" altLang="en-US" sz="1100"/>
               <a:t>离开用户信息界面</a:t>
             </a:r>
+            <a:endParaRPr lang="zh-CN" altLang="en-US" sz="1100"/>
           </a:p>
         </p:txBody>
       </p:sp>
       <p:cxnSp>
         <p:nvCxnSpPr>
-          <p:cNvPr id="46" name="Straight Arrow Connector 22">
-            <a:extLst>
-              <a:ext uri="{FF2B5EF4-FFF2-40B4-BE49-F238E27FC236}">
-                <a16:creationId xmlns:a16="http://schemas.microsoft.com/office/drawing/2014/main" id="{445F69FA-9451-EC14-CA4E-119B564759A3}"/>
-              </a:ext>
-            </a:extLst>
-          </p:cNvPr>
+          <p:cNvPr id="46" name="Straight Arrow Connector 22"/>
           <p:cNvCxnSpPr>
-            <a:cxnSpLocks/>
             <a:stCxn id="45" idx="1"/>
             <a:endCxn id="22" idx="3"/>
           </p:cNvCxnSpPr>
@@ -9899,13 +10153,7 @@
       </p:cxnSp>
       <p:sp>
         <p:nvSpPr>
-          <p:cNvPr id="51" name="文本框 50">
-            <a:extLst>
-              <a:ext uri="{FF2B5EF4-FFF2-40B4-BE49-F238E27FC236}">
-                <a16:creationId xmlns:a16="http://schemas.microsoft.com/office/drawing/2014/main" id="{67280381-26C6-C156-ED30-9388B0B9D284}"/>
-              </a:ext>
-            </a:extLst>
-          </p:cNvPr>
+          <p:cNvPr id="51" name="文本框 50"/>
           <p:cNvSpPr txBox="1"/>
           <p:nvPr/>
         </p:nvSpPr>
@@ -9929,15 +10177,11 @@
               <a:rPr lang="zh-CN" altLang="en-US"/>
               <a:t>为每个场景以及用户信息都提供界面</a:t>
             </a:r>
+            <a:endParaRPr lang="zh-CN" altLang="en-US"/>
           </a:p>
         </p:txBody>
       </p:sp>
     </p:spTree>
-    <p:extLst>
-      <p:ext uri="{BB962C8B-B14F-4D97-AF65-F5344CB8AC3E}">
-        <p14:creationId xmlns:p14="http://schemas.microsoft.com/office/powerpoint/2010/main" val="2162785718"/>
-      </p:ext>
-    </p:extLst>
   </p:cSld>
   <p:clrMapOvr>
     <a:masterClrMapping/>
@@ -9945,7 +10189,7 @@
 </p:sld>
 </file>
 
-<file path=ppt/slides/slide6.xml><?xml version="1.0" encoding="utf-8"?>
+<file path=ppt/slides/slide7.xml><?xml version="1.0" encoding="utf-8"?>
 <p:sld xmlns:a="http://schemas.openxmlformats.org/drawingml/2006/main" xmlns:r="http://schemas.openxmlformats.org/officeDocument/2006/relationships" xmlns:p="http://schemas.openxmlformats.org/presentationml/2006/main">
   <p:cSld>
     <p:spTree>
@@ -9964,13 +10208,7 @@
       </p:grpSpPr>
       <p:sp>
         <p:nvSpPr>
-          <p:cNvPr id="33" name="矩形 32">
-            <a:extLst>
-              <a:ext uri="{FF2B5EF4-FFF2-40B4-BE49-F238E27FC236}">
-                <a16:creationId xmlns:a16="http://schemas.microsoft.com/office/drawing/2014/main" id="{301F1C87-3C25-2979-CCDE-7B2142BAB0AD}"/>
-              </a:ext>
-            </a:extLst>
-          </p:cNvPr>
+          <p:cNvPr id="33" name="矩形 32"/>
           <p:cNvSpPr/>
           <p:nvPr/>
         </p:nvSpPr>
@@ -10042,18 +10280,13 @@
               <a:rPr lang="zh-CN" altLang="en-US" sz="2400"/>
               <a:t>控制驱动部分</a:t>
             </a:r>
+            <a:endParaRPr lang="zh-CN" altLang="en-US" sz="2400"/>
           </a:p>
         </p:txBody>
       </p:sp>
       <p:grpSp>
         <p:nvGrpSpPr>
-          <p:cNvPr id="2" name="组合 1">
-            <a:extLst>
-              <a:ext uri="{FF2B5EF4-FFF2-40B4-BE49-F238E27FC236}">
-                <a16:creationId xmlns:a16="http://schemas.microsoft.com/office/drawing/2014/main" id="{C2BD57A8-BC28-3F3A-48E2-02DCCB802D0F}"/>
-              </a:ext>
-            </a:extLst>
-          </p:cNvPr>
+          <p:cNvPr id="2" name="组合 1"/>
           <p:cNvGrpSpPr/>
           <p:nvPr/>
         </p:nvGrpSpPr>
@@ -10105,6 +10338,7 @@
                 <a:rPr lang="zh-CN" sz="1100"/>
                 <a:t>楼</a:t>
               </a:r>
+              <a:endParaRPr lang="zh-CN" sz="1100"/>
             </a:p>
             <a:p>
               <a:pPr algn="ctr"/>
@@ -10112,6 +10346,7 @@
                 <a:rPr lang="en-US" altLang="zh-CN" sz="1100"/>
                 <a:t>——————</a:t>
               </a:r>
+              <a:endParaRPr lang="en-US" altLang="zh-CN" sz="1100"/>
             </a:p>
             <a:p>
               <a:pPr algn="ctr"/>
@@ -10119,6 +10354,7 @@
                 <a:rPr lang="zh-CN" altLang="en-US" sz="1100"/>
                 <a:t>楼号</a:t>
               </a:r>
+              <a:endParaRPr lang="zh-CN" altLang="en-US" sz="1100"/>
             </a:p>
             <a:p>
               <a:pPr algn="ctr"/>
@@ -10126,6 +10362,7 @@
                 <a:rPr lang="zh-CN" altLang="en-US" sz="1100"/>
                 <a:t>楼名称</a:t>
               </a:r>
+              <a:endParaRPr lang="zh-CN" altLang="en-US" sz="1100"/>
             </a:p>
             <a:p>
               <a:pPr algn="ctr"/>
@@ -10133,6 +10370,7 @@
                 <a:rPr lang="en-US" altLang="zh-CN" sz="1100"/>
                 <a:t>——————</a:t>
               </a:r>
+              <a:endParaRPr lang="en-US" altLang="zh-CN" sz="1100"/>
             </a:p>
             <a:p>
               <a:pPr algn="ctr"/>
@@ -10140,6 +10378,7 @@
                 <a:rPr lang="zh-CN" altLang="en-US" sz="1100"/>
                 <a:t>进入楼</a:t>
               </a:r>
+              <a:endParaRPr lang="zh-CN" altLang="en-US" sz="1100"/>
             </a:p>
             <a:p>
               <a:pPr algn="ctr"/>
@@ -10147,6 +10386,7 @@
                 <a:rPr lang="zh-CN" altLang="en-US" sz="1100"/>
                 <a:t>离开楼</a:t>
               </a:r>
+              <a:endParaRPr lang="zh-CN" altLang="en-US" sz="1100"/>
             </a:p>
           </p:txBody>
         </p:sp>
@@ -10190,6 +10430,7 @@
                 <a:rPr lang="zh-CN" sz="1100"/>
                 <a:t>教室</a:t>
               </a:r>
+              <a:endParaRPr lang="zh-CN" sz="1100"/>
             </a:p>
             <a:p>
               <a:pPr algn="ctr"/>
@@ -10197,6 +10438,7 @@
                 <a:rPr lang="en-US" altLang="zh-CN" sz="1100"/>
                 <a:t>——————</a:t>
               </a:r>
+              <a:endParaRPr lang="en-US" altLang="zh-CN" sz="1100"/>
             </a:p>
             <a:p>
               <a:pPr algn="ctr"/>
@@ -10204,6 +10446,7 @@
                 <a:rPr lang="zh-CN" altLang="en-US" sz="1100"/>
                 <a:t>教室号</a:t>
               </a:r>
+              <a:endParaRPr lang="zh-CN" altLang="en-US" sz="1100"/>
             </a:p>
             <a:p>
               <a:pPr algn="ctr"/>
@@ -10217,6 +10460,7 @@
                 <a:rPr lang="zh-CN" altLang="en-US" sz="1100"/>
                 <a:t>名称</a:t>
               </a:r>
+              <a:endParaRPr lang="zh-CN" altLang="en-US" sz="1100"/>
             </a:p>
             <a:p>
               <a:pPr algn="ctr"/>
@@ -10224,6 +10468,7 @@
                 <a:rPr lang="en-US" altLang="zh-CN" sz="1100"/>
                 <a:t>——————</a:t>
               </a:r>
+              <a:endParaRPr lang="en-US" altLang="zh-CN" sz="1100"/>
             </a:p>
             <a:p>
               <a:pPr algn="ctr"/>
@@ -10251,6 +10496,9 @@
                 </a:rPr>
                 <a:t>教室</a:t>
               </a:r>
+              <a:endParaRPr lang="zh-CN" altLang="en-US" sz="1100">
+                <a:sym typeface="+mn-ea"/>
+              </a:endParaRPr>
             </a:p>
             <a:p>
               <a:pPr algn="ctr"/>
@@ -10258,6 +10506,7 @@
                 <a:rPr lang="zh-CN" altLang="en-US" sz="1100"/>
                 <a:t>进入讨论板</a:t>
               </a:r>
+              <a:endParaRPr lang="zh-CN" altLang="en-US" sz="1100"/>
             </a:p>
           </p:txBody>
         </p:sp>
@@ -10301,6 +10550,7 @@
                 <a:rPr lang="zh-CN" sz="1100"/>
                 <a:t>座位</a:t>
               </a:r>
+              <a:endParaRPr lang="zh-CN" sz="1100"/>
             </a:p>
             <a:p>
               <a:pPr algn="ctr"/>
@@ -10308,6 +10558,7 @@
                 <a:rPr lang="en-US" altLang="zh-CN" sz="1100"/>
                 <a:t>——————</a:t>
               </a:r>
+              <a:endParaRPr lang="en-US" altLang="zh-CN" sz="1100"/>
             </a:p>
             <a:p>
               <a:pPr algn="ctr"/>
@@ -10315,6 +10566,7 @@
                 <a:rPr lang="zh-CN" altLang="en-US" sz="1100"/>
                 <a:t>座位号</a:t>
               </a:r>
+              <a:endParaRPr lang="zh-CN" altLang="en-US" sz="1100"/>
             </a:p>
             <a:p>
               <a:pPr algn="ctr"/>
@@ -10326,6 +10578,7 @@
                 <a:rPr lang="en-US" altLang="zh-CN" sz="1100"/>
                 <a:t>——————</a:t>
               </a:r>
+              <a:endParaRPr lang="en-US" altLang="zh-CN" sz="1100"/>
             </a:p>
             <a:p>
               <a:pPr algn="ctr"/>
@@ -10333,6 +10586,7 @@
                 <a:rPr lang="zh-CN" altLang="en-US" sz="1100"/>
                 <a:t>座位入座</a:t>
               </a:r>
+              <a:endParaRPr lang="zh-CN" altLang="en-US" sz="1100"/>
             </a:p>
             <a:p>
               <a:pPr algn="ctr"/>
@@ -10390,6 +10644,7 @@
                 <a:rPr lang="zh-CN" sz="1100"/>
                 <a:t>学习计划</a:t>
               </a:r>
+              <a:endParaRPr lang="zh-CN" sz="1100"/>
             </a:p>
             <a:p>
               <a:pPr algn="ctr"/>
@@ -10397,6 +10652,7 @@
                 <a:rPr lang="en-US" altLang="zh-CN" sz="1100"/>
                 <a:t>————————</a:t>
               </a:r>
+              <a:endParaRPr lang="en-US" altLang="zh-CN" sz="1100"/>
             </a:p>
             <a:p>
               <a:pPr algn="ctr"/>
@@ -10404,6 +10660,7 @@
                 <a:rPr lang="zh-CN" altLang="en-US" sz="1100"/>
                 <a:t>自习时间</a:t>
               </a:r>
+              <a:endParaRPr lang="zh-CN" altLang="en-US" sz="1100"/>
             </a:p>
             <a:p>
               <a:pPr algn="ctr"/>
@@ -10411,6 +10668,7 @@
                 <a:rPr lang="zh-CN" altLang="en-US" sz="1100"/>
                 <a:t>休息时间</a:t>
               </a:r>
+              <a:endParaRPr lang="zh-CN" altLang="en-US" sz="1100"/>
             </a:p>
             <a:p>
               <a:pPr algn="ctr"/>
@@ -10418,6 +10676,7 @@
                 <a:rPr lang="zh-CN" altLang="en-US" sz="1100"/>
                 <a:t>周期数</a:t>
               </a:r>
+              <a:endParaRPr lang="zh-CN" altLang="en-US" sz="1100"/>
             </a:p>
             <a:p>
               <a:pPr algn="ctr"/>
@@ -10425,6 +10684,7 @@
                 <a:rPr lang="en-US" altLang="zh-CN" sz="1100"/>
                 <a:t>—————————</a:t>
               </a:r>
+              <a:endParaRPr lang="en-US" altLang="zh-CN" sz="1100"/>
             </a:p>
             <a:p>
               <a:pPr algn="ctr"/>
@@ -10432,6 +10692,7 @@
                 <a:rPr lang="zh-CN" altLang="en-US" sz="1100"/>
                 <a:t>设置计划信息</a:t>
               </a:r>
+              <a:endParaRPr lang="zh-CN" altLang="en-US" sz="1100"/>
             </a:p>
             <a:p>
               <a:pPr algn="ctr"/>
@@ -10439,6 +10700,7 @@
                 <a:rPr lang="zh-CN" altLang="en-US" sz="1100"/>
                 <a:t>开始自习</a:t>
               </a:r>
+              <a:endParaRPr lang="zh-CN" altLang="en-US" sz="1100"/>
             </a:p>
             <a:p>
               <a:pPr algn="ctr"/>
@@ -10446,6 +10708,7 @@
                 <a:rPr lang="zh-CN" altLang="en-US" sz="1100"/>
                 <a:t>结束自习</a:t>
               </a:r>
+              <a:endParaRPr lang="zh-CN" altLang="en-US" sz="1100"/>
             </a:p>
           </p:txBody>
         </p:sp>
@@ -10489,6 +10752,7 @@
                 <a:rPr lang="zh-CN" sz="1100"/>
                 <a:t>讨论板</a:t>
               </a:r>
+              <a:endParaRPr lang="zh-CN" sz="1100"/>
             </a:p>
             <a:p>
               <a:pPr algn="ctr"/>
@@ -10496,6 +10760,7 @@
                 <a:rPr lang="en-US" altLang="zh-CN" sz="1100"/>
                 <a:t>——————</a:t>
               </a:r>
+              <a:endParaRPr lang="en-US" altLang="zh-CN" sz="1100"/>
             </a:p>
             <a:p>
               <a:pPr algn="ctr"/>
@@ -10503,6 +10768,7 @@
                 <a:rPr lang="zh-CN" altLang="en-US" sz="1100"/>
                 <a:t>讨论板号</a:t>
               </a:r>
+              <a:endParaRPr lang="zh-CN" altLang="en-US" sz="1100"/>
             </a:p>
             <a:p>
               <a:pPr algn="ctr"/>
@@ -10510,6 +10776,7 @@
                 <a:rPr lang="en-US" altLang="zh-CN" sz="1100"/>
                 <a:t>——————</a:t>
               </a:r>
+              <a:endParaRPr lang="en-US" altLang="zh-CN" sz="1100"/>
             </a:p>
             <a:p>
               <a:pPr algn="ctr"/>
@@ -10517,6 +10784,7 @@
                 <a:rPr lang="zh-CN" altLang="en-US" sz="1100"/>
                 <a:t>搜索问题</a:t>
               </a:r>
+              <a:endParaRPr lang="zh-CN" altLang="en-US" sz="1100"/>
             </a:p>
             <a:p>
               <a:pPr algn="ctr"/>
@@ -10524,6 +10792,7 @@
                 <a:rPr lang="zh-CN" altLang="en-US" sz="1100"/>
                 <a:t>查看问题</a:t>
               </a:r>
+              <a:endParaRPr lang="zh-CN" altLang="en-US" sz="1100"/>
             </a:p>
             <a:p>
               <a:pPr algn="ctr"/>
@@ -10531,6 +10800,7 @@
                 <a:rPr lang="zh-CN" altLang="en-US" sz="1100"/>
                 <a:t>发布问题</a:t>
               </a:r>
+              <a:endParaRPr lang="zh-CN" altLang="en-US" sz="1100"/>
             </a:p>
             <a:p>
               <a:pPr algn="ctr"/>
@@ -10538,6 +10808,7 @@
                 <a:rPr lang="zh-CN" altLang="en-US" sz="1100"/>
                 <a:t>回答问题</a:t>
               </a:r>
+              <a:endParaRPr lang="zh-CN" altLang="en-US" sz="1100"/>
             </a:p>
           </p:txBody>
         </p:sp>
@@ -10845,6 +11116,7 @@
                 <a:rPr lang="zh-CN" sz="1100"/>
                 <a:t>用户</a:t>
               </a:r>
+              <a:endParaRPr lang="zh-CN" sz="1100"/>
             </a:p>
             <a:p>
               <a:pPr algn="ctr"/>
@@ -10852,6 +11124,7 @@
                 <a:rPr lang="en-US" altLang="zh-CN" sz="1100"/>
                 <a:t>——————</a:t>
               </a:r>
+              <a:endParaRPr lang="en-US" altLang="zh-CN" sz="1100"/>
             </a:p>
             <a:p>
               <a:pPr algn="ctr"/>
@@ -10859,6 +11132,7 @@
                 <a:rPr lang="zh-CN" altLang="en-US" sz="1100"/>
                 <a:t>用户号</a:t>
               </a:r>
+              <a:endParaRPr lang="zh-CN" altLang="en-US" sz="1100"/>
             </a:p>
             <a:p>
               <a:pPr algn="ctr"/>
@@ -10866,6 +11140,7 @@
                 <a:rPr lang="zh-CN" altLang="en-US" sz="1100"/>
                 <a:t>用户名称</a:t>
               </a:r>
+              <a:endParaRPr lang="zh-CN" altLang="en-US" sz="1100"/>
             </a:p>
             <a:p>
               <a:pPr algn="ctr"/>
@@ -10873,6 +11148,7 @@
                 <a:rPr lang="en-US" altLang="zh-CN" sz="1100"/>
                 <a:t>——————</a:t>
               </a:r>
+              <a:endParaRPr lang="en-US" altLang="zh-CN" sz="1100"/>
             </a:p>
             <a:p>
               <a:pPr algn="ctr"/>
@@ -10880,6 +11156,7 @@
                 <a:rPr lang="zh-CN" altLang="en-US" sz="1100"/>
                 <a:t>退出登录</a:t>
               </a:r>
+              <a:endParaRPr lang="zh-CN" altLang="en-US" sz="1100"/>
             </a:p>
           </p:txBody>
         </p:sp>
@@ -11122,13 +11399,7 @@
       </p:grpSp>
       <p:sp>
         <p:nvSpPr>
-          <p:cNvPr id="3" name="Rectangles 3">
-            <a:extLst>
-              <a:ext uri="{FF2B5EF4-FFF2-40B4-BE49-F238E27FC236}">
-                <a16:creationId xmlns:a16="http://schemas.microsoft.com/office/drawing/2014/main" id="{488FB045-2879-A206-CD1C-C7771DC1A473}"/>
-              </a:ext>
-            </a:extLst>
-          </p:cNvPr>
+          <p:cNvPr id="3" name="Rectangles 3"/>
           <p:cNvSpPr/>
           <p:nvPr/>
         </p:nvSpPr>
@@ -11178,6 +11449,7 @@
               <a:rPr lang="en-US" altLang="zh-CN" sz="1100"/>
               <a:t>——————</a:t>
             </a:r>
+            <a:endParaRPr lang="en-US" altLang="zh-CN" sz="1100"/>
           </a:p>
           <a:p>
             <a:pPr algn="ctr"/>
@@ -11185,6 +11457,7 @@
               <a:rPr lang="zh-CN" altLang="en-US" sz="1100"/>
               <a:t>楼名称</a:t>
             </a:r>
+            <a:endParaRPr lang="zh-CN" altLang="en-US" sz="1100"/>
           </a:p>
           <a:p>
             <a:pPr algn="ctr"/>
@@ -11200,18 +11473,13 @@
               <a:rPr lang="zh-CN" altLang="en-US" sz="1100"/>
               <a:t>离开楼</a:t>
             </a:r>
+            <a:endParaRPr lang="zh-CN" altLang="en-US" sz="1100"/>
           </a:p>
         </p:txBody>
       </p:sp>
       <p:sp>
         <p:nvSpPr>
-          <p:cNvPr id="10" name="Rectangles 3">
-            <a:extLst>
-              <a:ext uri="{FF2B5EF4-FFF2-40B4-BE49-F238E27FC236}">
-                <a16:creationId xmlns:a16="http://schemas.microsoft.com/office/drawing/2014/main" id="{E90B939D-96D1-BB65-2EC2-AD1F8CCC3626}"/>
-              </a:ext>
-            </a:extLst>
-          </p:cNvPr>
+          <p:cNvPr id="10" name="Rectangles 3"/>
           <p:cNvSpPr/>
           <p:nvPr/>
         </p:nvSpPr>
@@ -11265,6 +11533,7 @@
               <a:rPr lang="zh-CN" altLang="en-US" sz="1100"/>
               <a:t>教室名称</a:t>
             </a:r>
+            <a:endParaRPr lang="zh-CN" altLang="en-US" sz="1100"/>
           </a:p>
           <a:p>
             <a:pPr algn="ctr"/>
@@ -11272,6 +11541,7 @@
               <a:rPr lang="en-US" altLang="zh-CN" sz="1100"/>
               <a:t>——————</a:t>
             </a:r>
+            <a:endParaRPr lang="en-US" altLang="zh-CN" sz="1100"/>
           </a:p>
           <a:p>
             <a:pPr algn="ctr"/>
@@ -11299,6 +11569,9 @@
               </a:rPr>
               <a:t>教室</a:t>
             </a:r>
+            <a:endParaRPr lang="zh-CN" altLang="en-US" sz="1100">
+              <a:sym typeface="+mn-ea"/>
+            </a:endParaRPr>
           </a:p>
           <a:p>
             <a:pPr algn="ctr"/>
@@ -11306,18 +11579,13 @@
               <a:rPr lang="zh-CN" altLang="en-US" sz="1100"/>
               <a:t>进入讨论板</a:t>
             </a:r>
+            <a:endParaRPr lang="zh-CN" altLang="en-US" sz="1100"/>
           </a:p>
         </p:txBody>
       </p:sp>
       <p:sp>
         <p:nvSpPr>
-          <p:cNvPr id="19" name="Rectangles 3">
-            <a:extLst>
-              <a:ext uri="{FF2B5EF4-FFF2-40B4-BE49-F238E27FC236}">
-                <a16:creationId xmlns:a16="http://schemas.microsoft.com/office/drawing/2014/main" id="{539CC62E-25BA-6ED6-6593-02BD57142D65}"/>
-              </a:ext>
-            </a:extLst>
-          </p:cNvPr>
+          <p:cNvPr id="19" name="Rectangles 3"/>
           <p:cNvSpPr/>
           <p:nvPr/>
         </p:nvSpPr>
@@ -11363,6 +11631,7 @@
               <a:rPr lang="en-US" altLang="zh-CN" sz="1100"/>
               <a:t>——————</a:t>
             </a:r>
+            <a:endParaRPr lang="en-US" altLang="zh-CN" sz="1100"/>
           </a:p>
           <a:p>
             <a:pPr algn="ctr"/>
@@ -11370,6 +11639,7 @@
               <a:rPr lang="zh-CN" altLang="en-US" sz="1100"/>
               <a:t>座位号</a:t>
             </a:r>
+            <a:endParaRPr lang="zh-CN" altLang="en-US" sz="1100"/>
           </a:p>
           <a:p>
             <a:pPr algn="ctr"/>
@@ -11377,6 +11647,7 @@
               <a:rPr lang="en-US" altLang="zh-CN" sz="1100"/>
               <a:t>——————</a:t>
             </a:r>
+            <a:endParaRPr lang="en-US" altLang="zh-CN" sz="1100"/>
           </a:p>
           <a:p>
             <a:pPr algn="ctr"/>
@@ -11396,13 +11667,7 @@
       </p:sp>
       <p:sp>
         <p:nvSpPr>
-          <p:cNvPr id="20" name="Rectangles 3">
-            <a:extLst>
-              <a:ext uri="{FF2B5EF4-FFF2-40B4-BE49-F238E27FC236}">
-                <a16:creationId xmlns:a16="http://schemas.microsoft.com/office/drawing/2014/main" id="{CCCC31E5-E66B-2EBB-0E6B-4850E3E62303}"/>
-              </a:ext>
-            </a:extLst>
-          </p:cNvPr>
+          <p:cNvPr id="20" name="Rectangles 3"/>
           <p:cNvSpPr/>
           <p:nvPr/>
         </p:nvSpPr>
@@ -11448,6 +11713,7 @@
               <a:rPr lang="en-US" altLang="zh-CN" sz="1100"/>
               <a:t>——————</a:t>
             </a:r>
+            <a:endParaRPr lang="en-US" altLang="zh-CN" sz="1100"/>
           </a:p>
           <a:p>
             <a:pPr algn="ctr"/>
@@ -11479,6 +11745,7 @@
               <a:rPr lang="en-US" altLang="zh-CN" sz="1100"/>
               <a:t>——————</a:t>
             </a:r>
+            <a:endParaRPr lang="en-US" altLang="zh-CN" sz="1100"/>
           </a:p>
           <a:p>
             <a:pPr algn="ctr"/>
@@ -11486,6 +11753,7 @@
               <a:rPr lang="zh-CN" altLang="en-US" sz="1100"/>
               <a:t>设置计划信息</a:t>
             </a:r>
+            <a:endParaRPr lang="zh-CN" altLang="en-US" sz="1100"/>
           </a:p>
           <a:p>
             <a:pPr algn="ctr"/>
@@ -11493,6 +11761,7 @@
               <a:rPr lang="zh-CN" altLang="en-US" sz="1100"/>
               <a:t>开始自习</a:t>
             </a:r>
+            <a:endParaRPr lang="zh-CN" altLang="en-US" sz="1100"/>
           </a:p>
           <a:p>
             <a:pPr algn="ctr"/>
@@ -11500,18 +11769,13 @@
               <a:rPr lang="zh-CN" altLang="en-US" sz="1100"/>
               <a:t>结束自习</a:t>
             </a:r>
+            <a:endParaRPr lang="zh-CN" altLang="en-US" sz="1100"/>
           </a:p>
         </p:txBody>
       </p:sp>
       <p:sp>
         <p:nvSpPr>
-          <p:cNvPr id="21" name="Rectangles 3">
-            <a:extLst>
-              <a:ext uri="{FF2B5EF4-FFF2-40B4-BE49-F238E27FC236}">
-                <a16:creationId xmlns:a16="http://schemas.microsoft.com/office/drawing/2014/main" id="{B3EA2B5A-F290-3332-12F9-ABD34DE9F47C}"/>
-              </a:ext>
-            </a:extLst>
-          </p:cNvPr>
+          <p:cNvPr id="21" name="Rectangles 3"/>
           <p:cNvSpPr/>
           <p:nvPr/>
         </p:nvSpPr>
@@ -11557,6 +11821,7 @@
               <a:rPr lang="en-US" altLang="zh-CN" sz="1100"/>
               <a:t>——————</a:t>
             </a:r>
+            <a:endParaRPr lang="en-US" altLang="zh-CN" sz="1100"/>
           </a:p>
           <a:p>
             <a:pPr algn="ctr"/>
@@ -11564,6 +11829,7 @@
               <a:rPr lang="zh-CN" altLang="en-US" sz="1100"/>
               <a:t>楼号</a:t>
             </a:r>
+            <a:endParaRPr lang="zh-CN" altLang="en-US" sz="1100"/>
           </a:p>
           <a:p>
             <a:pPr algn="ctr"/>
@@ -11571,6 +11837,7 @@
               <a:rPr lang="zh-CN" altLang="en-US" sz="1100"/>
               <a:t>楼名称</a:t>
             </a:r>
+            <a:endParaRPr lang="zh-CN" altLang="en-US" sz="1100"/>
           </a:p>
           <a:p>
             <a:pPr algn="ctr"/>
@@ -11578,6 +11845,7 @@
               <a:rPr lang="en-US" altLang="zh-CN" sz="1100"/>
               <a:t>——————</a:t>
             </a:r>
+            <a:endParaRPr lang="en-US" altLang="zh-CN" sz="1100"/>
           </a:p>
           <a:p>
             <a:pPr algn="ctr"/>
@@ -11585,20 +11853,14 @@
               <a:rPr lang="zh-CN" altLang="en-US" sz="1100"/>
               <a:t>离开讨论板</a:t>
             </a:r>
+            <a:endParaRPr lang="zh-CN" altLang="en-US" sz="1100"/>
           </a:p>
         </p:txBody>
       </p:sp>
       <p:cxnSp>
         <p:nvCxnSpPr>
-          <p:cNvPr id="29" name="Straight Arrow Connector 22">
-            <a:extLst>
-              <a:ext uri="{FF2B5EF4-FFF2-40B4-BE49-F238E27FC236}">
-                <a16:creationId xmlns:a16="http://schemas.microsoft.com/office/drawing/2014/main" id="{23082550-ED32-5A6A-BAE1-1343BCD17030}"/>
-              </a:ext>
-            </a:extLst>
-          </p:cNvPr>
+          <p:cNvPr id="29" name="Straight Arrow Connector 22"/>
           <p:cNvCxnSpPr>
-            <a:cxnSpLocks/>
             <a:stCxn id="3" idx="2"/>
             <a:endCxn id="4" idx="0"/>
           </p:cNvCxnSpPr>
@@ -11638,16 +11900,8 @@
       </p:cxnSp>
       <p:cxnSp>
         <p:nvCxnSpPr>
-          <p:cNvPr id="35" name="Straight Arrow Connector 22">
-            <a:extLst>
-              <a:ext uri="{FF2B5EF4-FFF2-40B4-BE49-F238E27FC236}">
-                <a16:creationId xmlns:a16="http://schemas.microsoft.com/office/drawing/2014/main" id="{F2475247-0D59-CC93-11F3-569DC2BD45E9}"/>
-              </a:ext>
-            </a:extLst>
-          </p:cNvPr>
-          <p:cNvCxnSpPr>
-            <a:cxnSpLocks/>
-          </p:cNvCxnSpPr>
+          <p:cNvPr id="35" name="Straight Arrow Connector 22"/>
+          <p:cNvCxnSpPr/>
           <p:nvPr/>
         </p:nvCxnSpPr>
         <p:spPr>
@@ -11684,15 +11938,8 @@
       </p:cxnSp>
       <p:cxnSp>
         <p:nvCxnSpPr>
-          <p:cNvPr id="36" name="Straight Arrow Connector 22">
-            <a:extLst>
-              <a:ext uri="{FF2B5EF4-FFF2-40B4-BE49-F238E27FC236}">
-                <a16:creationId xmlns:a16="http://schemas.microsoft.com/office/drawing/2014/main" id="{4C085770-9723-5BFD-1F6B-AE04F8973041}"/>
-              </a:ext>
-            </a:extLst>
-          </p:cNvPr>
+          <p:cNvPr id="36" name="Straight Arrow Connector 22"/>
           <p:cNvCxnSpPr>
-            <a:cxnSpLocks/>
             <a:stCxn id="19" idx="2"/>
           </p:cNvCxnSpPr>
           <p:nvPr/>
@@ -11731,15 +11978,8 @@
       </p:cxnSp>
       <p:cxnSp>
         <p:nvCxnSpPr>
-          <p:cNvPr id="38" name="Straight Arrow Connector 22">
-            <a:extLst>
-              <a:ext uri="{FF2B5EF4-FFF2-40B4-BE49-F238E27FC236}">
-                <a16:creationId xmlns:a16="http://schemas.microsoft.com/office/drawing/2014/main" id="{94F846B2-455F-2681-5715-D1964CC7DDEE}"/>
-              </a:ext>
-            </a:extLst>
-          </p:cNvPr>
+          <p:cNvPr id="38" name="Straight Arrow Connector 22"/>
           <p:cNvCxnSpPr>
-            <a:cxnSpLocks/>
             <a:stCxn id="20" idx="2"/>
           </p:cNvCxnSpPr>
           <p:nvPr/>
@@ -11778,15 +12018,8 @@
       </p:cxnSp>
       <p:cxnSp>
         <p:nvCxnSpPr>
-          <p:cNvPr id="40" name="Straight Arrow Connector 22">
-            <a:extLst>
-              <a:ext uri="{FF2B5EF4-FFF2-40B4-BE49-F238E27FC236}">
-                <a16:creationId xmlns:a16="http://schemas.microsoft.com/office/drawing/2014/main" id="{8EA3F7E5-2F64-5D2D-C54C-B095D6545AF5}"/>
-              </a:ext>
-            </a:extLst>
-          </p:cNvPr>
+          <p:cNvPr id="40" name="Straight Arrow Connector 22"/>
           <p:cNvCxnSpPr>
-            <a:cxnSpLocks/>
             <a:stCxn id="21" idx="3"/>
             <a:endCxn id="8" idx="1"/>
           </p:cNvCxnSpPr>
@@ -11826,13 +12059,7 @@
       </p:cxnSp>
       <p:sp>
         <p:nvSpPr>
-          <p:cNvPr id="45" name="Rectangles 3">
-            <a:extLst>
-              <a:ext uri="{FF2B5EF4-FFF2-40B4-BE49-F238E27FC236}">
-                <a16:creationId xmlns:a16="http://schemas.microsoft.com/office/drawing/2014/main" id="{EAF57833-459A-197B-E8C5-E99A07050CD1}"/>
-              </a:ext>
-            </a:extLst>
-          </p:cNvPr>
+          <p:cNvPr id="45" name="Rectangles 3"/>
           <p:cNvSpPr/>
           <p:nvPr/>
         </p:nvSpPr>
@@ -11878,6 +12105,7 @@
               <a:rPr lang="en-US" altLang="zh-CN" sz="1100"/>
               <a:t>——————</a:t>
             </a:r>
+            <a:endParaRPr lang="en-US" altLang="zh-CN" sz="1100"/>
           </a:p>
           <a:p>
             <a:pPr algn="ctr"/>
@@ -11889,6 +12117,7 @@
               <a:rPr lang="en-US" altLang="zh-CN" sz="1100"/>
               <a:t>——————</a:t>
             </a:r>
+            <a:endParaRPr lang="en-US" altLang="zh-CN" sz="1100"/>
           </a:p>
           <a:p>
             <a:pPr algn="ctr"/>
@@ -11896,20 +12125,14 @@
               <a:rPr lang="zh-CN" altLang="en-US" sz="1100"/>
               <a:t>离开用户信息界面</a:t>
             </a:r>
+            <a:endParaRPr lang="zh-CN" altLang="en-US" sz="1100"/>
           </a:p>
         </p:txBody>
       </p:sp>
       <p:cxnSp>
         <p:nvCxnSpPr>
-          <p:cNvPr id="46" name="Straight Arrow Connector 22">
-            <a:extLst>
-              <a:ext uri="{FF2B5EF4-FFF2-40B4-BE49-F238E27FC236}">
-                <a16:creationId xmlns:a16="http://schemas.microsoft.com/office/drawing/2014/main" id="{445F69FA-9451-EC14-CA4E-119B564759A3}"/>
-              </a:ext>
-            </a:extLst>
-          </p:cNvPr>
+          <p:cNvPr id="46" name="Straight Arrow Connector 22"/>
           <p:cNvCxnSpPr>
-            <a:cxnSpLocks/>
             <a:stCxn id="45" idx="1"/>
             <a:endCxn id="22" idx="3"/>
           </p:cNvCxnSpPr>
@@ -11949,13 +12172,7 @@
       </p:cxnSp>
       <p:cxnSp>
         <p:nvCxnSpPr>
-          <p:cNvPr id="31" name="直接连接符 30">
-            <a:extLst>
-              <a:ext uri="{FF2B5EF4-FFF2-40B4-BE49-F238E27FC236}">
-                <a16:creationId xmlns:a16="http://schemas.microsoft.com/office/drawing/2014/main" id="{71FC55BC-2D05-3605-FAA7-63DEFEAC8415}"/>
-              </a:ext>
-            </a:extLst>
-          </p:cNvPr>
+          <p:cNvPr id="31" name="直接连接符 30"/>
           <p:cNvCxnSpPr/>
           <p:nvPr/>
         </p:nvCxnSpPr>
@@ -11990,13 +12207,7 @@
       </p:cxnSp>
       <p:cxnSp>
         <p:nvCxnSpPr>
-          <p:cNvPr id="32" name="直接连接符 31">
-            <a:extLst>
-              <a:ext uri="{FF2B5EF4-FFF2-40B4-BE49-F238E27FC236}">
-                <a16:creationId xmlns:a16="http://schemas.microsoft.com/office/drawing/2014/main" id="{A54F9741-B7DE-F743-90E2-7B11979814B7}"/>
-              </a:ext>
-            </a:extLst>
-          </p:cNvPr>
+          <p:cNvPr id="32" name="直接连接符 31"/>
           <p:cNvCxnSpPr/>
           <p:nvPr/>
         </p:nvCxnSpPr>
@@ -12031,13 +12242,7 @@
       </p:cxnSp>
       <p:sp>
         <p:nvSpPr>
-          <p:cNvPr id="37" name="文本框 36">
-            <a:extLst>
-              <a:ext uri="{FF2B5EF4-FFF2-40B4-BE49-F238E27FC236}">
-                <a16:creationId xmlns:a16="http://schemas.microsoft.com/office/drawing/2014/main" id="{82FF3DBF-BAC5-17B9-89B8-36EC6A74196C}"/>
-              </a:ext>
-            </a:extLst>
-          </p:cNvPr>
+          <p:cNvPr id="37" name="文本框 36"/>
           <p:cNvSpPr txBox="1"/>
           <p:nvPr/>
         </p:nvSpPr>
@@ -12061,15 +12266,11 @@
               <a:rPr lang="zh-CN" altLang="en-US"/>
               <a:t>主动类仅有“用户”</a:t>
             </a:r>
+            <a:endParaRPr lang="zh-CN" altLang="en-US"/>
           </a:p>
         </p:txBody>
       </p:sp>
     </p:spTree>
-    <p:extLst>
-      <p:ext uri="{BB962C8B-B14F-4D97-AF65-F5344CB8AC3E}">
-        <p14:creationId xmlns:p14="http://schemas.microsoft.com/office/powerpoint/2010/main" val="3937339237"/>
-      </p:ext>
-    </p:extLst>
   </p:cSld>
   <p:clrMapOvr>
     <a:masterClrMapping/>
@@ -12077,7 +12278,7 @@
 </p:sld>
 </file>
 
-<file path=ppt/slides/slide7.xml><?xml version="1.0" encoding="utf-8"?>
+<file path=ppt/slides/slide8.xml><?xml version="1.0" encoding="utf-8"?>
 <p:sld xmlns:a="http://schemas.openxmlformats.org/drawingml/2006/main" xmlns:r="http://schemas.openxmlformats.org/officeDocument/2006/relationships" xmlns:p="http://schemas.openxmlformats.org/presentationml/2006/main">
   <p:cSld>
     <p:spTree>
@@ -12096,13 +12297,7 @@
       </p:grpSpPr>
       <p:sp>
         <p:nvSpPr>
-          <p:cNvPr id="93" name="矩形 92">
-            <a:extLst>
-              <a:ext uri="{FF2B5EF4-FFF2-40B4-BE49-F238E27FC236}">
-                <a16:creationId xmlns:a16="http://schemas.microsoft.com/office/drawing/2014/main" id="{54C94115-32E1-CF74-5909-A6AF68750617}"/>
-              </a:ext>
-            </a:extLst>
-          </p:cNvPr>
+          <p:cNvPr id="93" name="矩形 92"/>
           <p:cNvSpPr/>
           <p:nvPr/>
         </p:nvSpPr>
@@ -12174,18 +12369,13 @@
               <a:rPr lang="zh-CN" altLang="en-US" sz="2400"/>
               <a:t>数据管理部分</a:t>
             </a:r>
+            <a:endParaRPr lang="zh-CN" altLang="en-US" sz="2400"/>
           </a:p>
         </p:txBody>
       </p:sp>
       <p:sp>
         <p:nvSpPr>
-          <p:cNvPr id="3" name="Rectangles 3">
-            <a:extLst>
-              <a:ext uri="{FF2B5EF4-FFF2-40B4-BE49-F238E27FC236}">
-                <a16:creationId xmlns:a16="http://schemas.microsoft.com/office/drawing/2014/main" id="{488FB045-2879-A206-CD1C-C7771DC1A473}"/>
-              </a:ext>
-            </a:extLst>
-          </p:cNvPr>
+          <p:cNvPr id="3" name="Rectangles 3"/>
           <p:cNvSpPr/>
           <p:nvPr/>
         </p:nvSpPr>
@@ -12235,6 +12425,7 @@
               <a:rPr lang="en-US" altLang="zh-CN" sz="1100"/>
               <a:t>——————</a:t>
             </a:r>
+            <a:endParaRPr lang="en-US" altLang="zh-CN" sz="1100"/>
           </a:p>
           <a:p>
             <a:pPr algn="ctr"/>
@@ -12242,6 +12433,7 @@
               <a:rPr lang="zh-CN" altLang="en-US" sz="1100"/>
               <a:t>楼名称</a:t>
             </a:r>
+            <a:endParaRPr lang="zh-CN" altLang="en-US" sz="1100"/>
           </a:p>
           <a:p>
             <a:pPr algn="ctr"/>
@@ -12257,18 +12449,13 @@
               <a:rPr lang="zh-CN" altLang="en-US" sz="1100"/>
               <a:t>离开楼</a:t>
             </a:r>
+            <a:endParaRPr lang="zh-CN" altLang="en-US" sz="1100"/>
           </a:p>
         </p:txBody>
       </p:sp>
       <p:sp>
         <p:nvSpPr>
-          <p:cNvPr id="10" name="Rectangles 3">
-            <a:extLst>
-              <a:ext uri="{FF2B5EF4-FFF2-40B4-BE49-F238E27FC236}">
-                <a16:creationId xmlns:a16="http://schemas.microsoft.com/office/drawing/2014/main" id="{E90B939D-96D1-BB65-2EC2-AD1F8CCC3626}"/>
-              </a:ext>
-            </a:extLst>
-          </p:cNvPr>
+          <p:cNvPr id="10" name="Rectangles 3"/>
           <p:cNvSpPr/>
           <p:nvPr/>
         </p:nvSpPr>
@@ -12322,6 +12509,7 @@
               <a:rPr lang="zh-CN" altLang="en-US" sz="1100"/>
               <a:t>教室名称</a:t>
             </a:r>
+            <a:endParaRPr lang="zh-CN" altLang="en-US" sz="1100"/>
           </a:p>
           <a:p>
             <a:pPr algn="ctr"/>
@@ -12329,6 +12517,7 @@
               <a:rPr lang="en-US" altLang="zh-CN" sz="1100"/>
               <a:t>——————</a:t>
             </a:r>
+            <a:endParaRPr lang="en-US" altLang="zh-CN" sz="1100"/>
           </a:p>
           <a:p>
             <a:pPr algn="ctr"/>
@@ -12356,6 +12545,9 @@
               </a:rPr>
               <a:t>教室</a:t>
             </a:r>
+            <a:endParaRPr lang="zh-CN" altLang="en-US" sz="1100">
+              <a:sym typeface="+mn-ea"/>
+            </a:endParaRPr>
           </a:p>
           <a:p>
             <a:pPr algn="ctr"/>
@@ -12363,18 +12555,13 @@
               <a:rPr lang="zh-CN" altLang="en-US" sz="1100"/>
               <a:t>进入讨论板</a:t>
             </a:r>
+            <a:endParaRPr lang="zh-CN" altLang="en-US" sz="1100"/>
           </a:p>
         </p:txBody>
       </p:sp>
       <p:sp>
         <p:nvSpPr>
-          <p:cNvPr id="19" name="Rectangles 3">
-            <a:extLst>
-              <a:ext uri="{FF2B5EF4-FFF2-40B4-BE49-F238E27FC236}">
-                <a16:creationId xmlns:a16="http://schemas.microsoft.com/office/drawing/2014/main" id="{539CC62E-25BA-6ED6-6593-02BD57142D65}"/>
-              </a:ext>
-            </a:extLst>
-          </p:cNvPr>
+          <p:cNvPr id="19" name="Rectangles 3"/>
           <p:cNvSpPr/>
           <p:nvPr/>
         </p:nvSpPr>
@@ -12420,6 +12607,7 @@
               <a:rPr lang="en-US" altLang="zh-CN" sz="1100"/>
               <a:t>——————</a:t>
             </a:r>
+            <a:endParaRPr lang="en-US" altLang="zh-CN" sz="1100"/>
           </a:p>
           <a:p>
             <a:pPr algn="ctr"/>
@@ -12427,6 +12615,7 @@
               <a:rPr lang="zh-CN" altLang="en-US" sz="1100"/>
               <a:t>座位号</a:t>
             </a:r>
+            <a:endParaRPr lang="zh-CN" altLang="en-US" sz="1100"/>
           </a:p>
           <a:p>
             <a:pPr algn="ctr"/>
@@ -12434,6 +12623,7 @@
               <a:rPr lang="en-US" altLang="zh-CN" sz="1100"/>
               <a:t>——————</a:t>
             </a:r>
+            <a:endParaRPr lang="en-US" altLang="zh-CN" sz="1100"/>
           </a:p>
           <a:p>
             <a:pPr algn="ctr"/>
@@ -12453,13 +12643,7 @@
       </p:sp>
       <p:sp>
         <p:nvSpPr>
-          <p:cNvPr id="20" name="Rectangles 3">
-            <a:extLst>
-              <a:ext uri="{FF2B5EF4-FFF2-40B4-BE49-F238E27FC236}">
-                <a16:creationId xmlns:a16="http://schemas.microsoft.com/office/drawing/2014/main" id="{CCCC31E5-E66B-2EBB-0E6B-4850E3E62303}"/>
-              </a:ext>
-            </a:extLst>
-          </p:cNvPr>
+          <p:cNvPr id="20" name="Rectangles 3"/>
           <p:cNvSpPr/>
           <p:nvPr/>
         </p:nvSpPr>
@@ -12505,6 +12689,7 @@
               <a:rPr lang="en-US" altLang="zh-CN" sz="1100"/>
               <a:t>——————</a:t>
             </a:r>
+            <a:endParaRPr lang="en-US" altLang="zh-CN" sz="1100"/>
           </a:p>
           <a:p>
             <a:pPr algn="ctr"/>
@@ -12536,6 +12721,7 @@
               <a:rPr lang="en-US" altLang="zh-CN" sz="1100"/>
               <a:t>——————</a:t>
             </a:r>
+            <a:endParaRPr lang="en-US" altLang="zh-CN" sz="1100"/>
           </a:p>
           <a:p>
             <a:pPr algn="ctr"/>
@@ -12543,6 +12729,7 @@
               <a:rPr lang="zh-CN" altLang="en-US" sz="1100"/>
               <a:t>设置计划信息</a:t>
             </a:r>
+            <a:endParaRPr lang="zh-CN" altLang="en-US" sz="1100"/>
           </a:p>
           <a:p>
             <a:pPr algn="ctr"/>
@@ -12550,6 +12737,7 @@
               <a:rPr lang="zh-CN" altLang="en-US" sz="1100"/>
               <a:t>开始自习</a:t>
             </a:r>
+            <a:endParaRPr lang="zh-CN" altLang="en-US" sz="1100"/>
           </a:p>
           <a:p>
             <a:pPr algn="ctr"/>
@@ -12557,20 +12745,14 @@
               <a:rPr lang="zh-CN" altLang="en-US" sz="1100"/>
               <a:t>结束自习</a:t>
             </a:r>
+            <a:endParaRPr lang="zh-CN" altLang="en-US" sz="1100"/>
           </a:p>
         </p:txBody>
       </p:sp>
       <p:cxnSp>
         <p:nvCxnSpPr>
-          <p:cNvPr id="29" name="Straight Arrow Connector 22">
-            <a:extLst>
-              <a:ext uri="{FF2B5EF4-FFF2-40B4-BE49-F238E27FC236}">
-                <a16:creationId xmlns:a16="http://schemas.microsoft.com/office/drawing/2014/main" id="{23082550-ED32-5A6A-BAE1-1343BCD17030}"/>
-              </a:ext>
-            </a:extLst>
-          </p:cNvPr>
+          <p:cNvPr id="29" name="Straight Arrow Connector 22"/>
           <p:cNvCxnSpPr>
-            <a:cxnSpLocks/>
             <a:stCxn id="3" idx="2"/>
           </p:cNvCxnSpPr>
           <p:nvPr/>
@@ -12609,15 +12791,8 @@
       </p:cxnSp>
       <p:cxnSp>
         <p:nvCxnSpPr>
-          <p:cNvPr id="35" name="Straight Arrow Connector 22">
-            <a:extLst>
-              <a:ext uri="{FF2B5EF4-FFF2-40B4-BE49-F238E27FC236}">
-                <a16:creationId xmlns:a16="http://schemas.microsoft.com/office/drawing/2014/main" id="{F2475247-0D59-CC93-11F3-569DC2BD45E9}"/>
-              </a:ext>
-            </a:extLst>
-          </p:cNvPr>
+          <p:cNvPr id="35" name="Straight Arrow Connector 22"/>
           <p:cNvCxnSpPr>
-            <a:cxnSpLocks/>
             <a:endCxn id="5" idx="0"/>
           </p:cNvCxnSpPr>
           <p:nvPr/>
@@ -12656,15 +12831,8 @@
       </p:cxnSp>
       <p:cxnSp>
         <p:nvCxnSpPr>
-          <p:cNvPr id="36" name="Straight Arrow Connector 22">
-            <a:extLst>
-              <a:ext uri="{FF2B5EF4-FFF2-40B4-BE49-F238E27FC236}">
-                <a16:creationId xmlns:a16="http://schemas.microsoft.com/office/drawing/2014/main" id="{4C085770-9723-5BFD-1F6B-AE04F8973041}"/>
-              </a:ext>
-            </a:extLst>
-          </p:cNvPr>
+          <p:cNvPr id="36" name="Straight Arrow Connector 22"/>
           <p:cNvCxnSpPr>
-            <a:cxnSpLocks/>
             <a:stCxn id="19" idx="2"/>
             <a:endCxn id="6" idx="0"/>
           </p:cNvCxnSpPr>
@@ -12704,15 +12872,8 @@
       </p:cxnSp>
       <p:cxnSp>
         <p:nvCxnSpPr>
-          <p:cNvPr id="38" name="Straight Arrow Connector 22">
-            <a:extLst>
-              <a:ext uri="{FF2B5EF4-FFF2-40B4-BE49-F238E27FC236}">
-                <a16:creationId xmlns:a16="http://schemas.microsoft.com/office/drawing/2014/main" id="{94F846B2-455F-2681-5715-D1964CC7DDEE}"/>
-              </a:ext>
-            </a:extLst>
-          </p:cNvPr>
+          <p:cNvPr id="38" name="Straight Arrow Connector 22"/>
           <p:cNvCxnSpPr>
-            <a:cxnSpLocks/>
             <a:stCxn id="20" idx="2"/>
           </p:cNvCxnSpPr>
           <p:nvPr/>
@@ -12751,15 +12912,8 @@
       </p:cxnSp>
       <p:cxnSp>
         <p:nvCxnSpPr>
-          <p:cNvPr id="40" name="Straight Arrow Connector 22">
-            <a:extLst>
-              <a:ext uri="{FF2B5EF4-FFF2-40B4-BE49-F238E27FC236}">
-                <a16:creationId xmlns:a16="http://schemas.microsoft.com/office/drawing/2014/main" id="{8EA3F7E5-2F64-5D2D-C54C-B095D6545AF5}"/>
-              </a:ext>
-            </a:extLst>
-          </p:cNvPr>
+          <p:cNvPr id="40" name="Straight Arrow Connector 22"/>
           <p:cNvCxnSpPr>
-            <a:cxnSpLocks/>
             <a:stCxn id="21" idx="3"/>
             <a:endCxn id="8" idx="1"/>
           </p:cNvCxnSpPr>
@@ -12799,13 +12953,7 @@
       </p:cxnSp>
       <p:grpSp>
         <p:nvGrpSpPr>
-          <p:cNvPr id="67" name="组合 66">
-            <a:extLst>
-              <a:ext uri="{FF2B5EF4-FFF2-40B4-BE49-F238E27FC236}">
-                <a16:creationId xmlns:a16="http://schemas.microsoft.com/office/drawing/2014/main" id="{92A013D7-2596-7079-793C-30BF7758C065}"/>
-              </a:ext>
-            </a:extLst>
-          </p:cNvPr>
+          <p:cNvPr id="67" name="组合 66"/>
           <p:cNvGrpSpPr/>
           <p:nvPr/>
         </p:nvGrpSpPr>
@@ -12819,13 +12967,7 @@
         </p:grpSpPr>
         <p:grpSp>
           <p:nvGrpSpPr>
-            <p:cNvPr id="2" name="组合 1">
-              <a:extLst>
-                <a:ext uri="{FF2B5EF4-FFF2-40B4-BE49-F238E27FC236}">
-                  <a16:creationId xmlns:a16="http://schemas.microsoft.com/office/drawing/2014/main" id="{C2BD57A8-BC28-3F3A-48E2-02DCCB802D0F}"/>
-                </a:ext>
-              </a:extLst>
-            </p:cNvPr>
+            <p:cNvPr id="2" name="组合 1"/>
             <p:cNvGrpSpPr/>
             <p:nvPr/>
           </p:nvGrpSpPr>
@@ -12877,6 +13019,7 @@
                   <a:rPr lang="zh-CN" sz="1100"/>
                   <a:t>楼</a:t>
                 </a:r>
+                <a:endParaRPr lang="zh-CN" sz="1100"/>
               </a:p>
               <a:p>
                 <a:pPr algn="ctr"/>
@@ -12884,6 +13027,7 @@
                   <a:rPr lang="en-US" altLang="zh-CN" sz="1100"/>
                   <a:t>——————</a:t>
                 </a:r>
+                <a:endParaRPr lang="en-US" altLang="zh-CN" sz="1100"/>
               </a:p>
               <a:p>
                 <a:pPr algn="ctr"/>
@@ -12891,6 +13035,7 @@
                   <a:rPr lang="zh-CN" altLang="en-US" sz="1100"/>
                   <a:t>楼号</a:t>
                 </a:r>
+                <a:endParaRPr lang="zh-CN" altLang="en-US" sz="1100"/>
               </a:p>
               <a:p>
                 <a:pPr algn="ctr"/>
@@ -12898,6 +13043,7 @@
                   <a:rPr lang="zh-CN" altLang="en-US" sz="1100"/>
                   <a:t>楼名称</a:t>
                 </a:r>
+                <a:endParaRPr lang="zh-CN" altLang="en-US" sz="1100"/>
               </a:p>
               <a:p>
                 <a:pPr algn="ctr"/>
@@ -12905,6 +13051,7 @@
                   <a:rPr lang="en-US" altLang="zh-CN" sz="1100"/>
                   <a:t>——————</a:t>
                 </a:r>
+                <a:endParaRPr lang="en-US" altLang="zh-CN" sz="1100"/>
               </a:p>
               <a:p>
                 <a:pPr algn="ctr"/>
@@ -12912,6 +13059,7 @@
                   <a:rPr lang="zh-CN" altLang="en-US" sz="1100"/>
                   <a:t>进入楼</a:t>
                 </a:r>
+                <a:endParaRPr lang="zh-CN" altLang="en-US" sz="1100"/>
               </a:p>
               <a:p>
                 <a:pPr algn="ctr"/>
@@ -12919,6 +13067,7 @@
                   <a:rPr lang="zh-CN" altLang="en-US" sz="1100"/>
                   <a:t>离开楼</a:t>
                 </a:r>
+                <a:endParaRPr lang="zh-CN" altLang="en-US" sz="1100"/>
               </a:p>
             </p:txBody>
           </p:sp>
@@ -12962,6 +13111,7 @@
                   <a:rPr lang="zh-CN" sz="1100"/>
                   <a:t>教室</a:t>
                 </a:r>
+                <a:endParaRPr lang="zh-CN" sz="1100"/>
               </a:p>
               <a:p>
                 <a:pPr algn="ctr"/>
@@ -12969,6 +13119,7 @@
                   <a:rPr lang="en-US" altLang="zh-CN" sz="1100"/>
                   <a:t>——————</a:t>
                 </a:r>
+                <a:endParaRPr lang="en-US" altLang="zh-CN" sz="1100"/>
               </a:p>
               <a:p>
                 <a:pPr algn="ctr"/>
@@ -12976,6 +13127,7 @@
                   <a:rPr lang="zh-CN" altLang="en-US" sz="1100"/>
                   <a:t>教室号</a:t>
                 </a:r>
+                <a:endParaRPr lang="zh-CN" altLang="en-US" sz="1100"/>
               </a:p>
               <a:p>
                 <a:pPr algn="ctr"/>
@@ -12989,6 +13141,7 @@
                   <a:rPr lang="zh-CN" altLang="en-US" sz="1100"/>
                   <a:t>名称</a:t>
                 </a:r>
+                <a:endParaRPr lang="zh-CN" altLang="en-US" sz="1100"/>
               </a:p>
               <a:p>
                 <a:pPr algn="ctr"/>
@@ -12996,6 +13149,7 @@
                   <a:rPr lang="en-US" altLang="zh-CN" sz="1100"/>
                   <a:t>——————</a:t>
                 </a:r>
+                <a:endParaRPr lang="en-US" altLang="zh-CN" sz="1100"/>
               </a:p>
               <a:p>
                 <a:pPr algn="ctr"/>
@@ -13023,6 +13177,9 @@
                   </a:rPr>
                   <a:t>教室</a:t>
                 </a:r>
+                <a:endParaRPr lang="zh-CN" altLang="en-US" sz="1100">
+                  <a:sym typeface="+mn-ea"/>
+                </a:endParaRPr>
               </a:p>
               <a:p>
                 <a:pPr algn="ctr"/>
@@ -13030,6 +13187,7 @@
                   <a:rPr lang="zh-CN" altLang="en-US" sz="1100"/>
                   <a:t>进入讨论板</a:t>
                 </a:r>
+                <a:endParaRPr lang="zh-CN" altLang="en-US" sz="1100"/>
               </a:p>
             </p:txBody>
           </p:sp>
@@ -13073,6 +13231,7 @@
                   <a:rPr lang="zh-CN" sz="1100"/>
                   <a:t>座位</a:t>
                 </a:r>
+                <a:endParaRPr lang="zh-CN" sz="1100"/>
               </a:p>
               <a:p>
                 <a:pPr algn="ctr"/>
@@ -13080,6 +13239,7 @@
                   <a:rPr lang="en-US" altLang="zh-CN" sz="1100"/>
                   <a:t>——————</a:t>
                 </a:r>
+                <a:endParaRPr lang="en-US" altLang="zh-CN" sz="1100"/>
               </a:p>
               <a:p>
                 <a:pPr algn="ctr"/>
@@ -13087,6 +13247,7 @@
                   <a:rPr lang="zh-CN" altLang="en-US" sz="1100"/>
                   <a:t>座位号</a:t>
                 </a:r>
+                <a:endParaRPr lang="zh-CN" altLang="en-US" sz="1100"/>
               </a:p>
               <a:p>
                 <a:pPr algn="ctr"/>
@@ -13098,6 +13259,7 @@
                   <a:rPr lang="en-US" altLang="zh-CN" sz="1100"/>
                   <a:t>——————</a:t>
                 </a:r>
+                <a:endParaRPr lang="en-US" altLang="zh-CN" sz="1100"/>
               </a:p>
               <a:p>
                 <a:pPr algn="ctr"/>
@@ -13105,6 +13267,7 @@
                   <a:rPr lang="zh-CN" altLang="en-US" sz="1100"/>
                   <a:t>座位入座</a:t>
                 </a:r>
+                <a:endParaRPr lang="zh-CN" altLang="en-US" sz="1100"/>
               </a:p>
               <a:p>
                 <a:pPr algn="ctr"/>
@@ -13162,6 +13325,7 @@
                   <a:rPr lang="zh-CN" sz="1100"/>
                   <a:t>学习计划</a:t>
                 </a:r>
+                <a:endParaRPr lang="zh-CN" sz="1100"/>
               </a:p>
               <a:p>
                 <a:pPr algn="ctr"/>
@@ -13169,6 +13333,7 @@
                   <a:rPr lang="en-US" altLang="zh-CN" sz="1100"/>
                   <a:t>————————</a:t>
                 </a:r>
+                <a:endParaRPr lang="en-US" altLang="zh-CN" sz="1100"/>
               </a:p>
               <a:p>
                 <a:pPr algn="ctr"/>
@@ -13176,6 +13341,7 @@
                   <a:rPr lang="zh-CN" altLang="en-US" sz="1100"/>
                   <a:t>自习时间</a:t>
                 </a:r>
+                <a:endParaRPr lang="zh-CN" altLang="en-US" sz="1100"/>
               </a:p>
               <a:p>
                 <a:pPr algn="ctr"/>
@@ -13183,6 +13349,7 @@
                   <a:rPr lang="zh-CN" altLang="en-US" sz="1100"/>
                   <a:t>休息时间</a:t>
                 </a:r>
+                <a:endParaRPr lang="zh-CN" altLang="en-US" sz="1100"/>
               </a:p>
               <a:p>
                 <a:pPr algn="ctr"/>
@@ -13190,6 +13357,7 @@
                   <a:rPr lang="zh-CN" altLang="en-US" sz="1100"/>
                   <a:t>周期数</a:t>
                 </a:r>
+                <a:endParaRPr lang="zh-CN" altLang="en-US" sz="1100"/>
               </a:p>
               <a:p>
                 <a:pPr algn="ctr"/>
@@ -13197,6 +13365,7 @@
                   <a:rPr lang="en-US" altLang="zh-CN" sz="1100"/>
                   <a:t>—————————</a:t>
                 </a:r>
+                <a:endParaRPr lang="en-US" altLang="zh-CN" sz="1100"/>
               </a:p>
               <a:p>
                 <a:pPr algn="ctr"/>
@@ -13204,6 +13373,7 @@
                   <a:rPr lang="zh-CN" altLang="en-US" sz="1100"/>
                   <a:t>设置计划信息</a:t>
                 </a:r>
+                <a:endParaRPr lang="zh-CN" altLang="en-US" sz="1100"/>
               </a:p>
               <a:p>
                 <a:pPr algn="ctr"/>
@@ -13211,6 +13381,7 @@
                   <a:rPr lang="zh-CN" altLang="en-US" sz="1100"/>
                   <a:t>开始自习</a:t>
                 </a:r>
+                <a:endParaRPr lang="zh-CN" altLang="en-US" sz="1100"/>
               </a:p>
               <a:p>
                 <a:pPr algn="ctr"/>
@@ -13218,6 +13389,7 @@
                   <a:rPr lang="zh-CN" altLang="en-US" sz="1100"/>
                   <a:t>结束自习</a:t>
                 </a:r>
+                <a:endParaRPr lang="zh-CN" altLang="en-US" sz="1100"/>
               </a:p>
             </p:txBody>
           </p:sp>
@@ -13261,6 +13433,7 @@
                   <a:rPr lang="zh-CN" sz="1100"/>
                   <a:t>讨论板</a:t>
                 </a:r>
+                <a:endParaRPr lang="zh-CN" sz="1100"/>
               </a:p>
               <a:p>
                 <a:pPr algn="ctr"/>
@@ -13268,6 +13441,7 @@
                   <a:rPr lang="en-US" altLang="zh-CN" sz="1100"/>
                   <a:t>——————</a:t>
                 </a:r>
+                <a:endParaRPr lang="en-US" altLang="zh-CN" sz="1100"/>
               </a:p>
               <a:p>
                 <a:pPr algn="ctr"/>
@@ -13275,6 +13449,7 @@
                   <a:rPr lang="zh-CN" altLang="en-US" sz="1100"/>
                   <a:t>讨论板号</a:t>
                 </a:r>
+                <a:endParaRPr lang="zh-CN" altLang="en-US" sz="1100"/>
               </a:p>
               <a:p>
                 <a:pPr algn="ctr"/>
@@ -13282,6 +13457,7 @@
                   <a:rPr lang="en-US" altLang="zh-CN" sz="1100"/>
                   <a:t>——————</a:t>
                 </a:r>
+                <a:endParaRPr lang="en-US" altLang="zh-CN" sz="1100"/>
               </a:p>
               <a:p>
                 <a:pPr algn="ctr"/>
@@ -13289,6 +13465,7 @@
                   <a:rPr lang="zh-CN" altLang="en-US" sz="1100"/>
                   <a:t>搜索问题</a:t>
                 </a:r>
+                <a:endParaRPr lang="zh-CN" altLang="en-US" sz="1100"/>
               </a:p>
               <a:p>
                 <a:pPr algn="ctr"/>
@@ -13296,6 +13473,7 @@
                   <a:rPr lang="zh-CN" altLang="en-US" sz="1100"/>
                   <a:t>查看问题</a:t>
                 </a:r>
+                <a:endParaRPr lang="zh-CN" altLang="en-US" sz="1100"/>
               </a:p>
               <a:p>
                 <a:pPr algn="ctr"/>
@@ -13303,6 +13481,7 @@
                   <a:rPr lang="zh-CN" altLang="en-US" sz="1100"/>
                   <a:t>发布问题</a:t>
                 </a:r>
+                <a:endParaRPr lang="zh-CN" altLang="en-US" sz="1100"/>
               </a:p>
               <a:p>
                 <a:pPr algn="ctr"/>
@@ -13310,6 +13489,7 @@
                   <a:rPr lang="zh-CN" altLang="en-US" sz="1100"/>
                   <a:t>回答问题</a:t>
                 </a:r>
+                <a:endParaRPr lang="zh-CN" altLang="en-US" sz="1100"/>
               </a:p>
             </p:txBody>
           </p:sp>
@@ -13617,6 +13797,7 @@
                   <a:rPr lang="zh-CN" sz="1100"/>
                   <a:t>用户</a:t>
                 </a:r>
+                <a:endParaRPr lang="zh-CN" sz="1100"/>
               </a:p>
               <a:p>
                 <a:pPr algn="ctr"/>
@@ -13624,6 +13805,7 @@
                   <a:rPr lang="en-US" altLang="zh-CN" sz="1100"/>
                   <a:t>——————</a:t>
                 </a:r>
+                <a:endParaRPr lang="en-US" altLang="zh-CN" sz="1100"/>
               </a:p>
               <a:p>
                 <a:pPr algn="ctr"/>
@@ -13631,6 +13813,7 @@
                   <a:rPr lang="zh-CN" altLang="en-US" sz="1100"/>
                   <a:t>用户号</a:t>
                 </a:r>
+                <a:endParaRPr lang="zh-CN" altLang="en-US" sz="1100"/>
               </a:p>
               <a:p>
                 <a:pPr algn="ctr"/>
@@ -13638,6 +13821,7 @@
                   <a:rPr lang="zh-CN" altLang="en-US" sz="1100"/>
                   <a:t>用户名称</a:t>
                 </a:r>
+                <a:endParaRPr lang="zh-CN" altLang="en-US" sz="1100"/>
               </a:p>
               <a:p>
                 <a:pPr algn="ctr"/>
@@ -13645,6 +13829,7 @@
                   <a:rPr lang="en-US" altLang="zh-CN" sz="1100"/>
                   <a:t>——————</a:t>
                 </a:r>
+                <a:endParaRPr lang="en-US" altLang="zh-CN" sz="1100"/>
               </a:p>
               <a:p>
                 <a:pPr algn="ctr"/>
@@ -13652,6 +13837,7 @@
                   <a:rPr lang="zh-CN" altLang="en-US" sz="1100"/>
                   <a:t>退出登录</a:t>
                 </a:r>
+                <a:endParaRPr lang="zh-CN" altLang="en-US" sz="1100"/>
               </a:p>
             </p:txBody>
           </p:sp>
@@ -13894,13 +14080,7 @@
         </p:grpSp>
         <p:sp>
           <p:nvSpPr>
-            <p:cNvPr id="21" name="Rectangles 3">
-              <a:extLst>
-                <a:ext uri="{FF2B5EF4-FFF2-40B4-BE49-F238E27FC236}">
-                  <a16:creationId xmlns:a16="http://schemas.microsoft.com/office/drawing/2014/main" id="{B3EA2B5A-F290-3332-12F9-ABD34DE9F47C}"/>
-                </a:ext>
-              </a:extLst>
-            </p:cNvPr>
+            <p:cNvPr id="21" name="Rectangles 3"/>
             <p:cNvSpPr/>
             <p:nvPr/>
           </p:nvSpPr>
@@ -13946,6 +14126,7 @@
                 <a:rPr lang="en-US" altLang="zh-CN" sz="1100"/>
                 <a:t>——————</a:t>
               </a:r>
+              <a:endParaRPr lang="en-US" altLang="zh-CN" sz="1100"/>
             </a:p>
             <a:p>
               <a:pPr algn="ctr"/>
@@ -13953,6 +14134,7 @@
                 <a:rPr lang="zh-CN" altLang="en-US" sz="1100"/>
                 <a:t>楼号</a:t>
               </a:r>
+              <a:endParaRPr lang="zh-CN" altLang="en-US" sz="1100"/>
             </a:p>
             <a:p>
               <a:pPr algn="ctr"/>
@@ -13960,6 +14142,7 @@
                 <a:rPr lang="zh-CN" altLang="en-US" sz="1100"/>
                 <a:t>楼名称</a:t>
               </a:r>
+              <a:endParaRPr lang="zh-CN" altLang="en-US" sz="1100"/>
             </a:p>
             <a:p>
               <a:pPr algn="ctr"/>
@@ -13967,6 +14150,7 @@
                 <a:rPr lang="en-US" altLang="zh-CN" sz="1100"/>
                 <a:t>——————</a:t>
               </a:r>
+              <a:endParaRPr lang="en-US" altLang="zh-CN" sz="1100"/>
             </a:p>
             <a:p>
               <a:pPr algn="ctr"/>
@@ -13974,18 +14158,13 @@
                 <a:rPr lang="zh-CN" altLang="en-US" sz="1100"/>
                 <a:t>离开讨论板</a:t>
               </a:r>
+              <a:endParaRPr lang="zh-CN" altLang="en-US" sz="1100"/>
             </a:p>
           </p:txBody>
         </p:sp>
         <p:sp>
           <p:nvSpPr>
-            <p:cNvPr id="45" name="Rectangles 3">
-              <a:extLst>
-                <a:ext uri="{FF2B5EF4-FFF2-40B4-BE49-F238E27FC236}">
-                  <a16:creationId xmlns:a16="http://schemas.microsoft.com/office/drawing/2014/main" id="{EAF57833-459A-197B-E8C5-E99A07050CD1}"/>
-                </a:ext>
-              </a:extLst>
-            </p:cNvPr>
+            <p:cNvPr id="45" name="Rectangles 3"/>
             <p:cNvSpPr/>
             <p:nvPr/>
           </p:nvSpPr>
@@ -14031,6 +14210,7 @@
                 <a:rPr lang="en-US" altLang="zh-CN" sz="1100"/>
                 <a:t>——————</a:t>
               </a:r>
+              <a:endParaRPr lang="en-US" altLang="zh-CN" sz="1100"/>
             </a:p>
             <a:p>
               <a:pPr algn="ctr"/>
@@ -14042,6 +14222,7 @@
                 <a:rPr lang="en-US" altLang="zh-CN" sz="1100"/>
                 <a:t>——————</a:t>
               </a:r>
+              <a:endParaRPr lang="en-US" altLang="zh-CN" sz="1100"/>
             </a:p>
             <a:p>
               <a:pPr algn="ctr"/>
@@ -14049,20 +14230,14 @@
                 <a:rPr lang="zh-CN" altLang="en-US" sz="1100"/>
                 <a:t>离开用户信息界面</a:t>
               </a:r>
+              <a:endParaRPr lang="zh-CN" altLang="en-US" sz="1100"/>
             </a:p>
           </p:txBody>
         </p:sp>
         <p:cxnSp>
           <p:nvCxnSpPr>
-            <p:cNvPr id="46" name="Straight Arrow Connector 22">
-              <a:extLst>
-                <a:ext uri="{FF2B5EF4-FFF2-40B4-BE49-F238E27FC236}">
-                  <a16:creationId xmlns:a16="http://schemas.microsoft.com/office/drawing/2014/main" id="{445F69FA-9451-EC14-CA4E-119B564759A3}"/>
-                </a:ext>
-              </a:extLst>
-            </p:cNvPr>
+            <p:cNvPr id="46" name="Straight Arrow Connector 22"/>
             <p:cNvCxnSpPr>
-              <a:cxnSpLocks/>
               <a:stCxn id="45" idx="1"/>
               <a:endCxn id="22" idx="3"/>
             </p:cNvCxnSpPr>
@@ -14103,13 +14278,7 @@
       </p:grpSp>
       <p:cxnSp>
         <p:nvCxnSpPr>
-          <p:cNvPr id="31" name="直接连接符 30">
-            <a:extLst>
-              <a:ext uri="{FF2B5EF4-FFF2-40B4-BE49-F238E27FC236}">
-                <a16:creationId xmlns:a16="http://schemas.microsoft.com/office/drawing/2014/main" id="{71FC55BC-2D05-3605-FAA7-63DEFEAC8415}"/>
-              </a:ext>
-            </a:extLst>
-          </p:cNvPr>
+          <p:cNvPr id="31" name="直接连接符 30"/>
           <p:cNvCxnSpPr/>
           <p:nvPr/>
         </p:nvCxnSpPr>
@@ -14144,13 +14313,7 @@
       </p:cxnSp>
       <p:cxnSp>
         <p:nvCxnSpPr>
-          <p:cNvPr id="32" name="直接连接符 31">
-            <a:extLst>
-              <a:ext uri="{FF2B5EF4-FFF2-40B4-BE49-F238E27FC236}">
-                <a16:creationId xmlns:a16="http://schemas.microsoft.com/office/drawing/2014/main" id="{A54F9741-B7DE-F743-90E2-7B11979814B7}"/>
-              </a:ext>
-            </a:extLst>
-          </p:cNvPr>
+          <p:cNvPr id="32" name="直接连接符 31"/>
           <p:cNvCxnSpPr/>
           <p:nvPr/>
         </p:nvCxnSpPr>
@@ -14185,13 +14348,7 @@
       </p:cxnSp>
       <p:sp>
         <p:nvSpPr>
-          <p:cNvPr id="30" name="文本框 29">
-            <a:extLst>
-              <a:ext uri="{FF2B5EF4-FFF2-40B4-BE49-F238E27FC236}">
-                <a16:creationId xmlns:a16="http://schemas.microsoft.com/office/drawing/2014/main" id="{443FA6CB-0280-8133-16B7-F58104F8C4D3}"/>
-              </a:ext>
-            </a:extLst>
-          </p:cNvPr>
+          <p:cNvPr id="30" name="文本框 29"/>
           <p:cNvSpPr txBox="1"/>
           <p:nvPr/>
         </p:nvSpPr>
@@ -14230,18 +14387,13 @@
               <a:rPr lang="zh-CN" altLang="en-US"/>
               <a:t>增加一个对象“存储对象”，负责所有的对象存储与检索操作、存 储需要长期存储的对象。</a:t>
             </a:r>
+            <a:endParaRPr lang="zh-CN" altLang="en-US"/>
           </a:p>
         </p:txBody>
       </p:sp>
       <p:sp>
         <p:nvSpPr>
-          <p:cNvPr id="43" name="Rectangles 3">
-            <a:extLst>
-              <a:ext uri="{FF2B5EF4-FFF2-40B4-BE49-F238E27FC236}">
-                <a16:creationId xmlns:a16="http://schemas.microsoft.com/office/drawing/2014/main" id="{6C1AD329-A40D-CDDB-A214-8026CC5FAC76}"/>
-              </a:ext>
-            </a:extLst>
-          </p:cNvPr>
+          <p:cNvPr id="43" name="Rectangles 3"/>
           <p:cNvSpPr/>
           <p:nvPr/>
         </p:nvSpPr>
@@ -14287,6 +14439,7 @@
               <a:rPr lang="en-US" altLang="zh-CN" sz="1100"/>
               <a:t>——————</a:t>
             </a:r>
+            <a:endParaRPr lang="en-US" altLang="zh-CN" sz="1100"/>
           </a:p>
           <a:p>
             <a:pPr algn="ctr"/>
@@ -14318,6 +14471,7 @@
               <a:rPr lang="zh-CN" altLang="en-US" sz="1100"/>
               <a:t>问题回答表</a:t>
             </a:r>
+            <a:endParaRPr lang="zh-CN" altLang="en-US" sz="1100"/>
           </a:p>
           <a:p>
             <a:pPr algn="ctr"/>
@@ -14383,15 +14537,8 @@
       </p:sp>
       <p:cxnSp>
         <p:nvCxnSpPr>
-          <p:cNvPr id="44" name="Straight Arrow Connector 22">
-            <a:extLst>
-              <a:ext uri="{FF2B5EF4-FFF2-40B4-BE49-F238E27FC236}">
-                <a16:creationId xmlns:a16="http://schemas.microsoft.com/office/drawing/2014/main" id="{236F17D9-1BA5-7B75-C9F6-1399D01F2A30}"/>
-              </a:ext>
-            </a:extLst>
-          </p:cNvPr>
+          <p:cNvPr id="44" name="Straight Arrow Connector 22"/>
           <p:cNvCxnSpPr>
-            <a:cxnSpLocks/>
             <a:stCxn id="21" idx="1"/>
             <a:endCxn id="43" idx="3"/>
           </p:cNvCxnSpPr>
@@ -14431,15 +14578,8 @@
       </p:cxnSp>
       <p:cxnSp>
         <p:nvCxnSpPr>
-          <p:cNvPr id="51" name="连接符: 肘形 50">
-            <a:extLst>
-              <a:ext uri="{FF2B5EF4-FFF2-40B4-BE49-F238E27FC236}">
-                <a16:creationId xmlns:a16="http://schemas.microsoft.com/office/drawing/2014/main" id="{61624640-3D47-ED3B-02E0-EC1A03E1869E}"/>
-              </a:ext>
-            </a:extLst>
-          </p:cNvPr>
+          <p:cNvPr id="51" name="连接符: 肘形 50"/>
           <p:cNvCxnSpPr>
-            <a:cxnSpLocks/>
             <a:endCxn id="22" idx="2"/>
           </p:cNvCxnSpPr>
           <p:nvPr/>
@@ -14479,16 +14619,8 @@
       </p:cxnSp>
       <p:cxnSp>
         <p:nvCxnSpPr>
-          <p:cNvPr id="53" name="Straight Arrow Connector 22">
-            <a:extLst>
-              <a:ext uri="{FF2B5EF4-FFF2-40B4-BE49-F238E27FC236}">
-                <a16:creationId xmlns:a16="http://schemas.microsoft.com/office/drawing/2014/main" id="{F824CB17-8218-E100-BB8A-0279831177D6}"/>
-              </a:ext>
-            </a:extLst>
-          </p:cNvPr>
-          <p:cNvCxnSpPr>
-            <a:cxnSpLocks/>
-          </p:cNvCxnSpPr>
+          <p:cNvPr id="53" name="Straight Arrow Connector 22"/>
+          <p:cNvCxnSpPr/>
           <p:nvPr/>
         </p:nvCxnSpPr>
         <p:spPr>
@@ -14524,11 +14656,6 @@
         </p:style>
       </p:cxnSp>
     </p:spTree>
-    <p:extLst>
-      <p:ext uri="{BB962C8B-B14F-4D97-AF65-F5344CB8AC3E}">
-        <p14:creationId xmlns:p14="http://schemas.microsoft.com/office/powerpoint/2010/main" val="2955148339"/>
-      </p:ext>
-    </p:extLst>
   </p:cSld>
   <p:clrMapOvr>
     <a:masterClrMapping/>
@@ -14787,8 +14914,6 @@
       </a:bgFillStyleLst>
     </a:fmtScheme>
   </a:themeElements>
-  <a:objectDefaults/>
-  <a:extraClrSchemeLst/>
   <a:extLst>
     <a:ext uri="{05A4C25C-085E-4340-85A3-A5531E510DB2}">
       <thm15:themeFamily xmlns:thm15="http://schemas.microsoft.com/office/thememl/2012/main" name="Office Theme" id="{62F939B6-93AF-4DB8-9C6B-D6C7DFDC589F}" vid="{4A3C46E8-61CC-4603-A589-7422A47A8E4A}"/>
